--- a/Instructor-Led/Module5/Lessons/Module5_Lesson5 Clustering.pptx
+++ b/Instructor-Led/Module5/Lessons/Module5_Lesson5 Clustering.pptx
@@ -1,6 +1,6 @@
 
 <file path=ppt/presentation.xml><?xml version="1.0" encoding="utf-8"?>
-<p:presentation xmlns:a="http://schemas.openxmlformats.org/drawingml/2006/main" xmlns:r="http://schemas.openxmlformats.org/officeDocument/2006/relationships" xmlns:p="http://schemas.openxmlformats.org/presentationml/2006/main" saveSubsetFonts="1">
+<p:presentation xmlns:a="http://schemas.openxmlformats.org/drawingml/2006/main" xmlns:r="http://schemas.openxmlformats.org/officeDocument/2006/relationships" xmlns:p="http://schemas.openxmlformats.org/presentationml/2006/main" removePersonalInfoOnSave="1" saveSubsetFonts="1">
   <p:sldMasterIdLst>
     <p:sldMasterId id="2147483680" r:id="rId1"/>
     <p:sldMasterId id="2147483703" r:id="rId2"/>
@@ -159,7 +159,7 @@
       </p14:sectionLst>
     </p:ext>
     <p:ext uri="{EFAFB233-063F-42B5-8137-9DF3F51BA10A}">
-      <p15:sldGuideLst xmlns="" xmlns:p15="http://schemas.microsoft.com/office/powerpoint/2012/main">
+      <p15:sldGuideLst xmlns:p15="http://schemas.microsoft.com/office/powerpoint/2012/main" xmlns="">
         <p15:guide id="1" orient="horz" pos="2160">
           <p15:clr>
             <a:srgbClr val="A4A3A4"/>
@@ -173,7 +173,7 @@
       </p15:sldGuideLst>
     </p:ext>
     <p:ext uri="{2D200454-40CA-4A62-9FC3-DE9A4176ACB9}">
-      <p15:notesGuideLst xmlns="" xmlns:p15="http://schemas.microsoft.com/office/powerpoint/2012/main"/>
+      <p15:notesGuideLst xmlns:p15="http://schemas.microsoft.com/office/powerpoint/2012/main" xmlns=""/>
     </p:ext>
   </p:extLst>
 </p:presentation>
@@ -181,19 +181,9 @@
 
 <file path=ppt/commentAuthors.xml><?xml version="1.0" encoding="utf-8"?>
 <p:cmAuthorLst xmlns:a="http://schemas.openxmlformats.org/drawingml/2006/main" xmlns:r="http://schemas.openxmlformats.org/officeDocument/2006/relationships" xmlns:p="http://schemas.openxmlformats.org/presentationml/2006/main">
-  <p:cmAuthor id="0" name="Mary Kate Reid" initials="" lastIdx="8" clrIdx="0"/>
+  <p:cmAuthor id="1" name="Author" initials="A" lastIdx="1" clrIdx="1"/>
+  <p:cmAuthor id="2" name="Mary Kate Reid" initials="" lastIdx="0" clrIdx="2"/>
 </p:cmAuthorLst>
-</file>
-
-<file path=ppt/comments/comment1.xml><?xml version="1.0" encoding="utf-8"?>
-<p:cmLst xmlns:a="http://schemas.openxmlformats.org/drawingml/2006/main" xmlns:r="http://schemas.openxmlformats.org/officeDocument/2006/relationships" xmlns:p="http://schemas.openxmlformats.org/presentationml/2006/main">
-  <p:cm authorId="0" dt="2016-06-13T09:32:33.247" idx="8">
-    <p:pos x="3895" y="2295"/>
-    <p:text>This was the final lesson.
-Justin though it could be moved up before the statistics lessons.
-Does this work?</p:text>
-  </p:cm>
-</p:cmLst>
 </file>
 
 <file path=ppt/handoutMasters/handoutMaster1.xml><?xml version="1.0" encoding="utf-8"?>
@@ -279,7 +269,7 @@
             <a:fld id="{30A74B2F-3EEF-410A-B738-5B66A46A3256}" type="datetimeFigureOut">
               <a:rPr lang="en-US" smtClean="0"/>
               <a:pPr/>
-              <a:t>6/27/16</a:t>
+              <a:t>6/29/16</a:t>
             </a:fld>
             <a:endParaRPr lang="en-US"/>
           </a:p>
@@ -446,7 +436,7 @@
             <a:fld id="{2E5CA586-3557-4985-BCD4-35EF5AC8B4A4}" type="datetimeFigureOut">
               <a:rPr lang="en-US" smtClean="0"/>
               <a:pPr/>
-              <a:t>6/27/16</a:t>
+              <a:t>6/29/16</a:t>
             </a:fld>
             <a:endParaRPr lang="en-US"/>
           </a:p>
@@ -858,7 +848,7 @@
               <a:buNone/>
             </a:pPr>
             <a:r>
-              <a:rPr lang="en-US" b="1" dirty="0" smtClean="0"/>
+              <a:rPr lang="en-US" b="1" dirty="0"/>
               <a:t>References:</a:t>
             </a:r>
           </a:p>
@@ -868,12 +858,8 @@
               <a:buChar char="•"/>
             </a:pPr>
             <a:r>
-              <a:rPr lang="en-US" b="0" dirty="0" smtClean="0"/>
-              <a:t>https</a:t>
-            </a:r>
-            <a:r>
               <a:rPr lang="en-US" b="0" dirty="0"/>
-              <a:t>://courses.edx.org/courses/course-v1:Microsoft+DAT203x+3T2015/info</a:t>
+              <a:t>https://courses.edx.org/courses/course-v1:Microsoft+DAT203x+3T2015/info</a:t>
             </a:r>
           </a:p>
           <a:p>
@@ -981,7 +967,7 @@
               <a:buNone/>
             </a:pPr>
             <a:r>
-              <a:rPr lang="en-US" b="1" dirty="0" smtClean="0"/>
+              <a:rPr lang="en-US" b="1" dirty="0"/>
               <a:t>References:</a:t>
             </a:r>
           </a:p>
@@ -991,15 +977,15 @@
               <a:buChar char="•"/>
             </a:pPr>
             <a:r>
-              <a:rPr lang="en-US" b="0" dirty="0" smtClean="0"/>
+              <a:rPr lang="en-US" b="0" dirty="0"/>
               <a:t>https://</a:t>
             </a:r>
             <a:r>
-              <a:rPr lang="en-US" b="0" dirty="0" err="1" smtClean="0"/>
+              <a:rPr lang="en-US" b="0" dirty="0" err="1"/>
               <a:t>courses.edx.org</a:t>
             </a:r>
             <a:r>
-              <a:rPr lang="en-US" b="0" dirty="0" smtClean="0"/>
+              <a:rPr lang="en-US" b="0" dirty="0"/>
               <a:t>/courses/course-v1:Microsoft+DAT203x+3T2015/info</a:t>
             </a:r>
           </a:p>
@@ -1094,7 +1080,7 @@
               <a:buNone/>
             </a:pPr>
             <a:r>
-              <a:rPr lang="en-US" b="1" dirty="0" smtClean="0"/>
+              <a:rPr lang="en-US" b="1" dirty="0"/>
               <a:t>References:</a:t>
             </a:r>
           </a:p>
@@ -1104,15 +1090,15 @@
               <a:buChar char="•"/>
             </a:pPr>
             <a:r>
-              <a:rPr lang="en-US" b="0" dirty="0" smtClean="0"/>
+              <a:rPr lang="en-US" b="0" dirty="0"/>
               <a:t>https://</a:t>
             </a:r>
             <a:r>
-              <a:rPr lang="en-US" b="0" dirty="0" err="1" smtClean="0"/>
+              <a:rPr lang="en-US" b="0" dirty="0" err="1"/>
               <a:t>courses.edx.org</a:t>
             </a:r>
             <a:r>
-              <a:rPr lang="en-US" b="0" dirty="0" smtClean="0"/>
+              <a:rPr lang="en-US" b="0" dirty="0"/>
               <a:t>/courses/course-v1:Microsoft+DAT203x+3T2015/info</a:t>
             </a:r>
           </a:p>
@@ -1207,7 +1193,7 @@
               <a:buNone/>
             </a:pPr>
             <a:r>
-              <a:rPr lang="en-US" b="1" dirty="0" smtClean="0"/>
+              <a:rPr lang="en-US" b="1" dirty="0"/>
               <a:t>References:</a:t>
             </a:r>
           </a:p>
@@ -1217,15 +1203,15 @@
               <a:buChar char="•"/>
             </a:pPr>
             <a:r>
-              <a:rPr lang="en-US" b="0" dirty="0" smtClean="0"/>
+              <a:rPr lang="en-US" b="0" dirty="0"/>
               <a:t>https://</a:t>
             </a:r>
             <a:r>
-              <a:rPr lang="en-US" b="0" dirty="0" err="1" smtClean="0"/>
+              <a:rPr lang="en-US" b="0" dirty="0" err="1"/>
               <a:t>courses.edx.org</a:t>
             </a:r>
             <a:r>
-              <a:rPr lang="en-US" b="0" dirty="0" smtClean="0"/>
+              <a:rPr lang="en-US" b="0" dirty="0"/>
               <a:t>/courses/course-v1:Microsoft+DAT203x+3T2015/info</a:t>
             </a:r>
           </a:p>
@@ -1320,7 +1306,7 @@
               <a:buNone/>
             </a:pPr>
             <a:r>
-              <a:rPr lang="en-US" b="1" dirty="0" smtClean="0"/>
+              <a:rPr lang="en-US" b="1" dirty="0"/>
               <a:t>References:</a:t>
             </a:r>
           </a:p>
@@ -1330,12 +1316,8 @@
               <a:buChar char="•"/>
             </a:pPr>
             <a:r>
-              <a:rPr lang="en-US" b="0" dirty="0" smtClean="0"/>
-              <a:t>http</a:t>
-            </a:r>
-            <a:r>
               <a:rPr lang="en-US" b="0" dirty="0"/>
-              <a:t>://spark.apache.org/docs/latest/api/python/pyspark.mllib.html#pyspark.mllib.clustering.KMeans</a:t>
+              <a:t>http://spark.apache.org/docs/latest/api/python/pyspark.mllib.html#pyspark.mllib.clustering.KMeans</a:t>
             </a:r>
             <a:endParaRPr lang="en-US" dirty="0"/>
           </a:p>
@@ -1423,10 +1405,9 @@
           <a:lstStyle/>
           <a:p>
             <a:r>
-              <a:rPr lang="en-US" b="1" dirty="0" smtClean="0"/>
+              <a:rPr lang="en-US" b="1" dirty="0"/>
               <a:t>Notes:</a:t>
             </a:r>
-            <a:endParaRPr lang="en-US" b="1" dirty="0"/>
           </a:p>
           <a:p>
             <a:pPr marL="171450" indent="-171450">
@@ -1434,16 +1415,8 @@
               <a:buChar char="•"/>
             </a:pPr>
             <a:r>
-              <a:rPr lang="en-US" baseline="0" dirty="0" smtClean="0"/>
-              <a:t>Run through </a:t>
-            </a:r>
-            <a:r>
               <a:rPr lang="en-US" baseline="0" dirty="0"/>
-              <a:t>the </a:t>
-            </a:r>
-            <a:r>
-              <a:rPr lang="en-US" baseline="0" dirty="0" smtClean="0"/>
-              <a:t>code</a:t>
+              <a:t>Run through the code</a:t>
             </a:r>
           </a:p>
           <a:p>
@@ -1452,7 +1425,7 @@
               <a:buNone/>
             </a:pPr>
             <a:r>
-              <a:rPr lang="en-US" b="1" dirty="0" smtClean="0"/>
+              <a:rPr lang="en-US" b="1" dirty="0"/>
               <a:t>References:</a:t>
             </a:r>
           </a:p>
@@ -1475,22 +1448,22 @@
               <a:defRPr/>
             </a:pPr>
             <a:r>
-              <a:rPr lang="en-US" dirty="0" smtClean="0"/>
+              <a:rPr lang="en-US" dirty="0"/>
               <a:t>http://</a:t>
             </a:r>
             <a:r>
-              <a:rPr lang="en-US" dirty="0" err="1" smtClean="0"/>
+              <a:rPr lang="en-US" dirty="0" err="1"/>
               <a:t>spark.apache.org</a:t>
             </a:r>
             <a:r>
-              <a:rPr lang="en-US" dirty="0" smtClean="0"/>
+              <a:rPr lang="en-US" dirty="0"/>
               <a:t>/docs/latest/</a:t>
             </a:r>
             <a:r>
-              <a:rPr lang="en-US" dirty="0" err="1" smtClean="0"/>
+              <a:rPr lang="en-US" dirty="0" err="1"/>
               <a:t>mllib-clustering.html#k-means</a:t>
             </a:r>
-            <a:endParaRPr lang="en-US" dirty="0" smtClean="0"/>
+            <a:endParaRPr lang="en-US" dirty="0"/>
           </a:p>
           <a:p>
             <a:pPr marL="0" indent="0">
@@ -1583,10 +1556,9 @@
           <a:lstStyle/>
           <a:p>
             <a:r>
-              <a:rPr lang="en-US" b="1" dirty="0" smtClean="0"/>
+              <a:rPr lang="en-US" b="1" dirty="0"/>
               <a:t>Notes:</a:t>
             </a:r>
-            <a:endParaRPr lang="en-US" b="1" dirty="0"/>
           </a:p>
           <a:p>
             <a:pPr marL="171450" indent="-171450">
@@ -1606,10 +1578,10 @@
               <a:t> and </a:t>
             </a:r>
             <a:r>
-              <a:rPr lang="en-US" dirty="0" err="1" smtClean="0"/>
+              <a:rPr lang="en-US" dirty="0" err="1"/>
               <a:t>KMeansModel</a:t>
             </a:r>
-            <a:endParaRPr lang="en-US" dirty="0" smtClean="0"/>
+            <a:endParaRPr lang="en-US" dirty="0"/>
           </a:p>
           <a:p>
             <a:pPr marL="0" indent="0">
@@ -1617,7 +1589,7 @@
               <a:buNone/>
             </a:pPr>
             <a:r>
-              <a:rPr lang="en-US" b="1" dirty="0" smtClean="0"/>
+              <a:rPr lang="en-US" b="1" dirty="0"/>
               <a:t>References:</a:t>
             </a:r>
           </a:p>
@@ -1640,22 +1612,22 @@
               <a:defRPr/>
             </a:pPr>
             <a:r>
-              <a:rPr lang="en-US" dirty="0" smtClean="0"/>
+              <a:rPr lang="en-US" dirty="0"/>
               <a:t>http://</a:t>
             </a:r>
             <a:r>
-              <a:rPr lang="en-US" dirty="0" err="1" smtClean="0"/>
+              <a:rPr lang="en-US" dirty="0" err="1"/>
               <a:t>spark.apache.org</a:t>
             </a:r>
             <a:r>
-              <a:rPr lang="en-US" dirty="0" smtClean="0"/>
+              <a:rPr lang="en-US" dirty="0"/>
               <a:t>/docs/latest/</a:t>
             </a:r>
             <a:r>
-              <a:rPr lang="en-US" dirty="0" err="1" smtClean="0"/>
+              <a:rPr lang="en-US" dirty="0" err="1"/>
               <a:t>mllib-clustering.html#k-means</a:t>
             </a:r>
-            <a:endParaRPr lang="en-US" dirty="0" smtClean="0"/>
+            <a:endParaRPr lang="en-US" dirty="0"/>
           </a:p>
         </p:txBody>
       </p:sp>
@@ -1741,10 +1713,9 @@
           <a:lstStyle/>
           <a:p>
             <a:r>
-              <a:rPr lang="en-US" b="1" dirty="0" smtClean="0"/>
+              <a:rPr lang="en-US" b="1" dirty="0"/>
               <a:t>Notes:</a:t>
             </a:r>
-            <a:endParaRPr lang="en-US" b="1" dirty="0"/>
           </a:p>
           <a:p>
             <a:pPr marL="171450" indent="-171450">
@@ -1761,13 +1732,8 @@
             </a:r>
             <a:r>
               <a:rPr lang="en-US" baseline="0" dirty="0"/>
-              <a:t> </a:t>
-            </a:r>
-            <a:r>
-              <a:rPr lang="en-US" baseline="0" dirty="0" smtClean="0"/>
-              <a:t>sc.</a:t>
-            </a:r>
-            <a:endParaRPr lang="en-US" baseline="0" dirty="0"/>
+              <a:t> sc.</a:t>
+            </a:r>
           </a:p>
           <a:p>
             <a:pPr marL="171450" indent="-171450">
@@ -1784,13 +1750,8 @@
             </a:r>
             <a:r>
               <a:rPr lang="en-US" baseline="0" dirty="0"/>
-              <a:t> is separated by a space.  Save all the data points into an array of </a:t>
-            </a:r>
-            <a:r>
-              <a:rPr lang="en-US" baseline="0" dirty="0" smtClean="0"/>
-              <a:t>floats.</a:t>
-            </a:r>
-            <a:endParaRPr lang="en-US" baseline="0" dirty="0"/>
+              <a:t> is separated by a space.  Save all the data points into an array of floats.</a:t>
+            </a:r>
           </a:p>
           <a:p>
             <a:pPr marL="171450" indent="-171450">
@@ -1854,12 +1815,8 @@
               <a:buChar char="•"/>
             </a:pPr>
             <a:r>
-              <a:rPr lang="en-US" baseline="0" dirty="0" smtClean="0"/>
-              <a:t>runs </a:t>
-            </a:r>
-            <a:r>
               <a:rPr lang="en-US" baseline="0" dirty="0"/>
-              <a:t>is the number of runs of the algorithm to execute in parallel</a:t>
+              <a:t>runs is the number of runs of the algorithm to execute in parallel</a:t>
             </a:r>
           </a:p>
           <a:p>
@@ -1911,11 +1868,7 @@
             </a:pPr>
             <a:r>
               <a:rPr lang="en-US" baseline="0" dirty="0"/>
-              <a:t>Explanation of the optimization is beyond scope of </a:t>
-            </a:r>
-            <a:r>
-              <a:rPr lang="en-US" baseline="0" dirty="0" smtClean="0"/>
-              <a:t>lesson</a:t>
+              <a:t>Explanation of the optimization is beyond scope of lesson</a:t>
             </a:r>
           </a:p>
           <a:p>
@@ -1924,11 +1877,11 @@
               <a:buNone/>
             </a:pPr>
             <a:r>
-              <a:rPr lang="en-US" baseline="0" dirty="0" smtClean="0"/>
+              <a:rPr lang="en-US" baseline="0" dirty="0"/>
               <a:t> </a:t>
             </a:r>
             <a:r>
-              <a:rPr lang="en-US" b="1" dirty="0" smtClean="0"/>
+              <a:rPr lang="en-US" b="1" dirty="0"/>
               <a:t>References:</a:t>
             </a:r>
           </a:p>
@@ -1951,23 +1904,23 @@
               <a:defRPr/>
             </a:pPr>
             <a:r>
-              <a:rPr lang="en-US" baseline="0" dirty="0" smtClean="0"/>
+              <a:rPr lang="en-US" baseline="0" dirty="0"/>
               <a:t>http://</a:t>
             </a:r>
             <a:r>
-              <a:rPr lang="en-US" baseline="0" dirty="0" err="1" smtClean="0"/>
+              <a:rPr lang="en-US" baseline="0" dirty="0" err="1"/>
               <a:t>vldb.org</a:t>
             </a:r>
             <a:r>
-              <a:rPr lang="en-US" baseline="0" dirty="0" smtClean="0"/>
+              <a:rPr lang="en-US" baseline="0" dirty="0"/>
               <a:t>/</a:t>
             </a:r>
             <a:r>
-              <a:rPr lang="en-US" baseline="0" dirty="0" err="1" smtClean="0"/>
+              <a:rPr lang="en-US" baseline="0" dirty="0" err="1"/>
               <a:t>pvldb</a:t>
             </a:r>
             <a:r>
-              <a:rPr lang="en-US" baseline="0" dirty="0" smtClean="0"/>
+              <a:rPr lang="en-US" baseline="0" dirty="0"/>
               <a:t>/vol5/p622_bahmanbahmani_vldb2012.pdf</a:t>
             </a:r>
           </a:p>
@@ -1990,22 +1943,22 @@
               <a:defRPr/>
             </a:pPr>
             <a:r>
-              <a:rPr lang="en-US" dirty="0" smtClean="0"/>
+              <a:rPr lang="en-US" dirty="0"/>
               <a:t>http://</a:t>
             </a:r>
             <a:r>
-              <a:rPr lang="en-US" dirty="0" err="1" smtClean="0"/>
+              <a:rPr lang="en-US" dirty="0" err="1"/>
               <a:t>spark.apache.org</a:t>
             </a:r>
             <a:r>
-              <a:rPr lang="en-US" dirty="0" smtClean="0"/>
+              <a:rPr lang="en-US" dirty="0"/>
               <a:t>/docs/latest/</a:t>
             </a:r>
             <a:r>
-              <a:rPr lang="en-US" dirty="0" err="1" smtClean="0"/>
+              <a:rPr lang="en-US" dirty="0" err="1"/>
               <a:t>mllib-clustering.html#k-means</a:t>
             </a:r>
-            <a:endParaRPr lang="en-US" dirty="0" smtClean="0"/>
+            <a:endParaRPr lang="en-US" dirty="0"/>
           </a:p>
           <a:p>
             <a:pPr marL="171450" marR="0" lvl="3" indent="-171450" algn="l" defTabSz="914400" rtl="0" eaLnBrk="1" fontAlgn="auto" latinLnBrk="0" hangingPunct="1">
@@ -2025,7 +1978,7 @@
               <a:tabLst/>
               <a:defRPr/>
             </a:pPr>
-            <a:endParaRPr lang="en-US" baseline="0" dirty="0" smtClean="0"/>
+            <a:endParaRPr lang="en-US" baseline="0" dirty="0"/>
           </a:p>
         </p:txBody>
       </p:sp>
@@ -2111,10 +2064,9 @@
           <a:lstStyle/>
           <a:p>
             <a:r>
-              <a:rPr lang="en-US" b="1" dirty="0" smtClean="0"/>
+              <a:rPr lang="en-US" b="1" dirty="0"/>
               <a:t>Notes:</a:t>
             </a:r>
-            <a:endParaRPr lang="en-US" b="1" dirty="0"/>
           </a:p>
           <a:p>
             <a:pPr marL="171450" indent="-171450">
@@ -2135,11 +2087,7 @@
             </a:r>
             <a:r>
               <a:rPr lang="en-US" baseline="0" dirty="0"/>
-              <a:t> is an </a:t>
-            </a:r>
-            <a:r>
-              <a:rPr lang="en-US" baseline="0" dirty="0" smtClean="0"/>
-              <a:t>RDD</a:t>
+              <a:t> is an RDD</a:t>
             </a:r>
           </a:p>
           <a:p>
@@ -2147,7 +2095,7 @@
               <a:buFont typeface="Arial" panose="020B0604020202020204" pitchFamily="34" charset="0"/>
               <a:buChar char="•"/>
             </a:pPr>
-            <a:endParaRPr lang="en-US" dirty="0" smtClean="0"/>
+            <a:endParaRPr lang="en-US" dirty="0"/>
           </a:p>
           <a:p>
             <a:pPr marL="0" indent="0">
@@ -2155,7 +2103,7 @@
               <a:buNone/>
             </a:pPr>
             <a:r>
-              <a:rPr lang="en-US" b="1" dirty="0" smtClean="0"/>
+              <a:rPr lang="en-US" b="1" dirty="0"/>
               <a:t>References:</a:t>
             </a:r>
           </a:p>
@@ -2178,22 +2126,22 @@
               <a:defRPr/>
             </a:pPr>
             <a:r>
-              <a:rPr lang="en-US" dirty="0" smtClean="0"/>
+              <a:rPr lang="en-US" dirty="0"/>
               <a:t>http://</a:t>
             </a:r>
             <a:r>
-              <a:rPr lang="en-US" dirty="0" err="1" smtClean="0"/>
+              <a:rPr lang="en-US" dirty="0" err="1"/>
               <a:t>spark.apache.org</a:t>
             </a:r>
             <a:r>
-              <a:rPr lang="en-US" dirty="0" smtClean="0"/>
+              <a:rPr lang="en-US" dirty="0"/>
               <a:t>/docs/latest/</a:t>
             </a:r>
             <a:r>
-              <a:rPr lang="en-US" dirty="0" err="1" smtClean="0"/>
+              <a:rPr lang="en-US" dirty="0" err="1"/>
               <a:t>mllib-clustering.html#k-means</a:t>
             </a:r>
-            <a:endParaRPr lang="en-US" dirty="0" smtClean="0"/>
+            <a:endParaRPr lang="en-US" dirty="0"/>
           </a:p>
         </p:txBody>
       </p:sp>
@@ -2278,6 +2226,73 @@
           <a:bodyPr/>
           <a:lstStyle/>
           <a:p>
+            <a:pPr marL="0" indent="0">
+              <a:buFont typeface="Arial"/>
+              <a:buNone/>
+            </a:pPr>
+            <a:r>
+              <a:rPr lang="en-US" altLang="ko-KR" b="1" dirty="0" smtClean="0"/>
+              <a:t>Notes:</a:t>
+            </a:r>
+          </a:p>
+          <a:p>
+            <a:pPr marL="171450" indent="-171450">
+              <a:buFont typeface="Arial"/>
+              <a:buChar char="•"/>
+            </a:pPr>
+            <a:r>
+              <a:rPr lang="en-US" altLang="ko-KR" dirty="0" smtClean="0"/>
+              <a:t>The Module</a:t>
+            </a:r>
+            <a:r>
+              <a:rPr lang="en-US" altLang="ko-KR" baseline="0" dirty="0" smtClean="0"/>
+              <a:t> 5 </a:t>
+            </a:r>
+            <a:r>
+              <a:rPr lang="en-US" altLang="ko-KR" baseline="0" smtClean="0"/>
+              <a:t>Lesson 5 lab </a:t>
+            </a:r>
+            <a:r>
+              <a:rPr lang="en-US" altLang="ko-KR" baseline="0" dirty="0" smtClean="0"/>
+              <a:t>should be completed at this time:</a:t>
+            </a:r>
+          </a:p>
+          <a:p>
+            <a:pPr marL="628650" lvl="1" indent="-171450">
+              <a:buFont typeface="Arial"/>
+              <a:buChar char="•"/>
+            </a:pPr>
+            <a:r>
+              <a:rPr lang="en-US" altLang="ko-KR" dirty="0" smtClean="0"/>
+              <a:t>https://</a:t>
+            </a:r>
+            <a:r>
+              <a:rPr lang="en-US" altLang="ko-KR" dirty="0" err="1" smtClean="0"/>
+              <a:t>github.com</a:t>
+            </a:r>
+            <a:r>
+              <a:rPr lang="en-US" altLang="ko-KR" dirty="0" smtClean="0"/>
+              <a:t>/</a:t>
+            </a:r>
+            <a:r>
+              <a:rPr lang="en-US" altLang="ko-KR" dirty="0" err="1" smtClean="0"/>
+              <a:t>MSFTImagine</a:t>
+            </a:r>
+            <a:r>
+              <a:rPr lang="en-US" altLang="ko-KR" dirty="0" smtClean="0"/>
+              <a:t>/</a:t>
+            </a:r>
+            <a:r>
+              <a:rPr lang="en-US" altLang="ko-KR" dirty="0" err="1" smtClean="0"/>
+              <a:t>computerscience</a:t>
+            </a:r>
+            <a:r>
+              <a:rPr lang="en-US" altLang="ko-KR" dirty="0" smtClean="0"/>
+              <a:t>/tree/master/Instructor-Led/Module5/Labs</a:t>
+            </a:r>
+            <a:endParaRPr lang="ko-KR" altLang="en-US" dirty="0" smtClean="0"/>
+          </a:p>
+          <a:p>
             <a:pPr marL="171450" indent="-171450">
               <a:buFont typeface="Arial"/>
               <a:buChar char="•"/>
@@ -2572,7 +2587,7 @@
               <a:buNone/>
             </a:pPr>
             <a:r>
-              <a:rPr lang="en-US" b="1" dirty="0" smtClean="0"/>
+              <a:rPr lang="en-US" b="1" dirty="0"/>
               <a:t>Notes:</a:t>
             </a:r>
           </a:p>
@@ -2582,11 +2597,11 @@
               <a:buChar char="•"/>
             </a:pPr>
             <a:r>
-              <a:rPr lang="en-US" dirty="0" smtClean="0"/>
+              <a:rPr lang="en-US" dirty="0"/>
               <a:t>In classification</a:t>
             </a:r>
             <a:r>
-              <a:rPr lang="en-US" baseline="0" dirty="0" smtClean="0"/>
+              <a:rPr lang="en-US" baseline="0" dirty="0"/>
               <a:t>, we saw that we had a dataset labeled with ground truth observations.  This was supervised learning.</a:t>
             </a:r>
             <a:endParaRPr lang="en-US" dirty="0"/>
@@ -2679,7 +2694,7 @@
               <a:buNone/>
             </a:pPr>
             <a:r>
-              <a:rPr lang="en-US" b="1" dirty="0" smtClean="0"/>
+              <a:rPr lang="en-US" b="1" dirty="0"/>
               <a:t>Notes:</a:t>
             </a:r>
           </a:p>
@@ -2689,11 +2704,11 @@
               <a:buChar char="•"/>
             </a:pPr>
             <a:r>
-              <a:rPr lang="en-US" dirty="0" smtClean="0"/>
+              <a:rPr lang="en-US" dirty="0"/>
               <a:t>This represents unsupervised</a:t>
             </a:r>
             <a:r>
-              <a:rPr lang="en-US" baseline="0" dirty="0" smtClean="0"/>
+              <a:rPr lang="en-US" baseline="0" dirty="0"/>
               <a:t> learning.</a:t>
             </a:r>
             <a:endParaRPr lang="en-US" dirty="0"/>
@@ -2875,7 +2890,7 @@
               <a:buNone/>
             </a:pPr>
             <a:r>
-              <a:rPr lang="en-US" b="1" dirty="0" smtClean="0"/>
+              <a:rPr lang="en-US" b="1" dirty="0"/>
               <a:t>Notes:</a:t>
             </a:r>
           </a:p>
@@ -2885,14 +2900,14 @@
               <a:buChar char="•"/>
             </a:pPr>
             <a:r>
-              <a:rPr lang="en-US" b="0" dirty="0" smtClean="0"/>
+              <a:rPr lang="en-US" b="0" dirty="0"/>
               <a:t>This slide has an</a:t>
             </a:r>
             <a:r>
-              <a:rPr lang="en-US" b="0" baseline="0" dirty="0" smtClean="0"/>
+              <a:rPr lang="en-US" b="0" baseline="0" dirty="0"/>
               <a:t> animation, shows clusters.</a:t>
             </a:r>
-            <a:endParaRPr lang="en-US" b="0" dirty="0" smtClean="0"/>
+            <a:endParaRPr lang="en-US" b="0" dirty="0"/>
           </a:p>
           <a:p>
             <a:pPr marL="0" indent="0">
@@ -2900,14 +2915,9 @@
               <a:buNone/>
             </a:pPr>
             <a:r>
-              <a:rPr lang="en-US" b="1" dirty="0" smtClean="0"/>
-              <a:t>References:</a:t>
-            </a:r>
-            <a:r>
               <a:rPr lang="en-US" b="1" dirty="0"/>
-              <a:t>	</a:t>
-            </a:r>
-            <a:endParaRPr lang="en-US" b="1" dirty="0" smtClean="0"/>
+              <a:t>References:	</a:t>
+            </a:r>
           </a:p>
           <a:p>
             <a:pPr marL="171450" indent="-171450">
@@ -2915,12 +2925,8 @@
               <a:buChar char="•"/>
             </a:pPr>
             <a:r>
-              <a:rPr lang="en-US" b="0" dirty="0" smtClean="0"/>
-              <a:t>https</a:t>
-            </a:r>
-            <a:r>
               <a:rPr lang="en-US" b="0" dirty="0"/>
-              <a:t>://courses.edx.org/courses/course-v1:Microsoft+DAT203x+3T2015/info</a:t>
+              <a:t>https://courses.edx.org/courses/course-v1:Microsoft+DAT203x+3T2015/info</a:t>
             </a:r>
           </a:p>
           <a:p>
@@ -3028,7 +3034,7 @@
               <a:buNone/>
             </a:pPr>
             <a:r>
-              <a:rPr lang="en-US" b="1" dirty="0" smtClean="0"/>
+              <a:rPr lang="en-US" b="1" dirty="0"/>
               <a:t>References:</a:t>
             </a:r>
           </a:p>
@@ -3038,12 +3044,8 @@
               <a:buChar char="•"/>
             </a:pPr>
             <a:r>
-              <a:rPr lang="en-US" b="0" dirty="0" smtClean="0"/>
-              <a:t>https</a:t>
-            </a:r>
-            <a:r>
               <a:rPr lang="en-US" b="0" dirty="0"/>
-              <a:t>://courses.edx.org/courses/course-v1:Microsoft+DAT203x+3T2015/info</a:t>
+              <a:t>https://courses.edx.org/courses/course-v1:Microsoft+DAT203x+3T2015/info</a:t>
             </a:r>
           </a:p>
           <a:p>
@@ -3137,10 +3139,9 @@
               <a:buNone/>
             </a:pPr>
             <a:r>
-              <a:rPr lang="en-US" b="1" dirty="0" smtClean="0"/>
+              <a:rPr lang="en-US" b="1" dirty="0"/>
               <a:t>Notes:</a:t>
             </a:r>
-            <a:endParaRPr lang="en-US" b="1" dirty="0"/>
           </a:p>
           <a:p>
             <a:pPr marL="171450" indent="-171450">
@@ -3188,7 +3189,7 @@
             <a:endParaRPr lang="en-US" b="0" dirty="0"/>
           </a:p>
           <a:p>
-            <a:endParaRPr lang="en-US" dirty="0" smtClean="0"/>
+            <a:endParaRPr lang="en-US" dirty="0"/>
           </a:p>
           <a:p>
             <a:pPr marL="0" marR="0" indent="0" algn="l" defTabSz="914400" rtl="0" eaLnBrk="1" fontAlgn="auto" latinLnBrk="0" hangingPunct="1">
@@ -3209,7 +3210,7 @@
               <a:defRPr/>
             </a:pPr>
             <a:r>
-              <a:rPr lang="en-US" b="1" dirty="0" smtClean="0"/>
+              <a:rPr lang="en-US" b="1" dirty="0"/>
               <a:t>References:</a:t>
             </a:r>
           </a:p>
@@ -3232,15 +3233,15 @@
               <a:defRPr/>
             </a:pPr>
             <a:r>
-              <a:rPr lang="en-US" b="0" dirty="0" smtClean="0"/>
+              <a:rPr lang="en-US" b="0" dirty="0"/>
               <a:t>https://</a:t>
             </a:r>
             <a:r>
-              <a:rPr lang="en-US" b="0" dirty="0" err="1" smtClean="0"/>
+              <a:rPr lang="en-US" b="0" dirty="0" err="1"/>
               <a:t>courses.edx.org</a:t>
             </a:r>
             <a:r>
-              <a:rPr lang="en-US" b="0" dirty="0" smtClean="0"/>
+              <a:rPr lang="en-US" b="0" dirty="0"/>
               <a:t>/courses/course-v1:Microsoft+DAT203x+3T2015/info</a:t>
             </a:r>
           </a:p>
@@ -11318,7 +11319,7 @@
                 <a:latin typeface="Segoe UI"/>
               </a:rPr>
               <a:pPr/>
-              <a:t>6/27/16</a:t>
+              <a:t>6/29/16</a:t>
             </a:fld>
             <a:endParaRPr lang="en-US">
               <a:solidFill>
@@ -11523,7 +11524,7 @@
                 <a:latin typeface="Segoe UI"/>
               </a:rPr>
               <a:pPr/>
-              <a:t>6/27/16</a:t>
+              <a:t>6/29/16</a:t>
             </a:fld>
             <a:endParaRPr lang="en-US">
               <a:solidFill>
@@ -11821,7 +11822,7 @@
                 <a:latin typeface="Segoe UI"/>
               </a:rPr>
               <a:pPr/>
-              <a:t>6/27/16</a:t>
+              <a:t>6/29/16</a:t>
             </a:fld>
             <a:endParaRPr lang="en-US">
               <a:solidFill>
@@ -12165,7 +12166,7 @@
                 <a:latin typeface="Segoe UI"/>
               </a:rPr>
               <a:pPr/>
-              <a:t>6/27/16</a:t>
+              <a:t>6/29/16</a:t>
             </a:fld>
             <a:endParaRPr lang="en-US">
               <a:solidFill>
@@ -12540,7 +12541,7 @@
                 <a:latin typeface="Segoe UI"/>
               </a:rPr>
               <a:pPr/>
-              <a:t>6/27/16</a:t>
+              <a:t>6/29/16</a:t>
             </a:fld>
             <a:endParaRPr lang="en-US">
               <a:solidFill>
@@ -13851,7 +13852,7 @@
                 <a:latin typeface="Segoe UI"/>
               </a:rPr>
               <a:pPr/>
-              <a:t>6/27/16</a:t>
+              <a:t>6/29/16</a:t>
             </a:fld>
             <a:endParaRPr lang="en-US">
               <a:solidFill>
@@ -14252,7 +14253,7 @@
                 <a:latin typeface="Segoe UI"/>
               </a:rPr>
               <a:pPr/>
-              <a:t>6/27/16</a:t>
+              <a:t>6/29/16</a:t>
             </a:fld>
             <a:endParaRPr lang="en-US">
               <a:solidFill>
@@ -14406,7 +14407,7 @@
                 <a:latin typeface="Segoe UI"/>
               </a:rPr>
               <a:pPr/>
-              <a:t>6/27/16</a:t>
+              <a:t>6/29/16</a:t>
             </a:fld>
             <a:endParaRPr lang="en-US">
               <a:solidFill>
@@ -14538,7 +14539,7 @@
                 <a:latin typeface="Segoe UI"/>
               </a:rPr>
               <a:pPr/>
-              <a:t>6/27/16</a:t>
+              <a:t>6/29/16</a:t>
             </a:fld>
             <a:endParaRPr lang="en-US">
               <a:solidFill>
@@ -14850,7 +14851,7 @@
                 <a:latin typeface="Segoe UI"/>
               </a:rPr>
               <a:pPr/>
-              <a:t>6/27/16</a:t>
+              <a:t>6/29/16</a:t>
             </a:fld>
             <a:endParaRPr lang="en-US">
               <a:solidFill>
@@ -15139,7 +15140,7 @@
                 <a:latin typeface="Segoe UI"/>
               </a:rPr>
               <a:pPr/>
-              <a:t>6/27/16</a:t>
+              <a:t>6/29/16</a:t>
             </a:fld>
             <a:endParaRPr lang="en-US">
               <a:solidFill>
@@ -15344,7 +15345,7 @@
                 <a:latin typeface="Segoe UI"/>
               </a:rPr>
               <a:pPr/>
-              <a:t>6/27/16</a:t>
+              <a:t>6/29/16</a:t>
             </a:fld>
             <a:endParaRPr lang="en-US">
               <a:solidFill>
@@ -15559,7 +15560,7 @@
                 <a:latin typeface="Segoe UI"/>
               </a:rPr>
               <a:pPr/>
-              <a:t>6/27/16</a:t>
+              <a:t>6/29/16</a:t>
             </a:fld>
             <a:endParaRPr lang="en-US">
               <a:solidFill>
@@ -15802,7 +15803,7 @@
                 <a:latin typeface="Segoe UI"/>
               </a:rPr>
               <a:pPr/>
-              <a:t>6/27/16</a:t>
+              <a:t>6/29/16</a:t>
             </a:fld>
             <a:endParaRPr lang="en-US">
               <a:solidFill>
@@ -16007,7 +16008,7 @@
                 <a:latin typeface="Segoe UI"/>
               </a:rPr>
               <a:pPr/>
-              <a:t>6/27/16</a:t>
+              <a:t>6/29/16</a:t>
             </a:fld>
             <a:endParaRPr lang="en-US">
               <a:solidFill>
@@ -16762,7 +16763,7 @@
                 <a:latin typeface="Segoe UI"/>
               </a:rPr>
               <a:pPr/>
-              <a:t>6/27/16</a:t>
+              <a:t>6/29/16</a:t>
             </a:fld>
             <a:endParaRPr lang="en-US">
               <a:solidFill>
@@ -17106,7 +17107,7 @@
                 <a:latin typeface="Segoe UI"/>
               </a:rPr>
               <a:pPr/>
-              <a:t>6/27/16</a:t>
+              <a:t>6/29/16</a:t>
             </a:fld>
             <a:endParaRPr lang="en-US">
               <a:solidFill>
@@ -17481,7 +17482,7 @@
                 <a:latin typeface="Segoe UI"/>
               </a:rPr>
               <a:pPr/>
-              <a:t>6/27/16</a:t>
+              <a:t>6/29/16</a:t>
             </a:fld>
             <a:endParaRPr lang="en-US">
               <a:solidFill>
@@ -18425,7 +18426,7 @@
                 <a:latin typeface="Segoe UI"/>
               </a:rPr>
               <a:pPr/>
-              <a:t>6/27/16</a:t>
+              <a:t>6/29/16</a:t>
             </a:fld>
             <a:endParaRPr lang="en-US">
               <a:solidFill>
@@ -18826,7 +18827,7 @@
                 <a:latin typeface="Segoe UI"/>
               </a:rPr>
               <a:pPr/>
-              <a:t>6/27/16</a:t>
+              <a:t>6/29/16</a:t>
             </a:fld>
             <a:endParaRPr lang="en-US">
               <a:solidFill>
@@ -18980,7 +18981,7 @@
                 <a:latin typeface="Segoe UI"/>
               </a:rPr>
               <a:pPr/>
-              <a:t>6/27/16</a:t>
+              <a:t>6/29/16</a:t>
             </a:fld>
             <a:endParaRPr lang="en-US">
               <a:solidFill>
@@ -19112,7 +19113,7 @@
                 <a:latin typeface="Segoe UI"/>
               </a:rPr>
               <a:pPr/>
-              <a:t>6/27/16</a:t>
+              <a:t>6/29/16</a:t>
             </a:fld>
             <a:endParaRPr lang="en-US">
               <a:solidFill>
@@ -19987,7 +19988,7 @@
                 <a:latin typeface="Segoe UI"/>
               </a:rPr>
               <a:pPr/>
-              <a:t>6/27/16</a:t>
+              <a:t>6/29/16</a:t>
             </a:fld>
             <a:endParaRPr lang="en-US">
               <a:solidFill>
@@ -20276,7 +20277,7 @@
                 <a:latin typeface="Segoe UI"/>
               </a:rPr>
               <a:pPr/>
-              <a:t>6/27/16</a:t>
+              <a:t>6/29/16</a:t>
             </a:fld>
             <a:endParaRPr lang="en-US">
               <a:solidFill>
@@ -20481,7 +20482,7 @@
                 <a:latin typeface="Segoe UI"/>
               </a:rPr>
               <a:pPr/>
-              <a:t>6/27/16</a:t>
+              <a:t>6/29/16</a:t>
             </a:fld>
             <a:endParaRPr lang="en-US">
               <a:solidFill>
@@ -20696,7 +20697,7 @@
                 <a:latin typeface="Segoe UI"/>
               </a:rPr>
               <a:pPr/>
-              <a:t>6/27/16</a:t>
+              <a:t>6/29/16</a:t>
             </a:fld>
             <a:endParaRPr lang="en-US">
               <a:solidFill>
@@ -22381,7 +22382,7 @@
                 <a:latin typeface="Segoe UI"/>
               </a:rPr>
               <a:pPr/>
-              <a:t>6/27/16</a:t>
+              <a:t>6/29/16</a:t>
             </a:fld>
             <a:endParaRPr lang="en-US">
               <a:solidFill>
@@ -22961,7 +22962,7 @@
                 <a:latin typeface="Segoe UI"/>
               </a:rPr>
               <a:pPr/>
-              <a:t>6/27/16</a:t>
+              <a:t>6/29/16</a:t>
             </a:fld>
             <a:endParaRPr lang="en-US">
               <a:solidFill>
@@ -23489,16 +23490,12 @@
               <a:t>, Lesson </a:t>
             </a:r>
             <a:r>
-              <a:rPr lang="en-US" dirty="0"/>
-              <a:t>5</a:t>
-            </a:r>
-            <a:r>
               <a:rPr lang="en-US" sz="4000" dirty="0" smtClean="0">
                 <a:solidFill>
                   <a:srgbClr val="FFFF00"/>
                 </a:solidFill>
               </a:rPr>
-              <a:t>: </a:t>
+              <a:t>5: </a:t>
             </a:r>
             <a:endParaRPr lang="en-US" sz="4000" dirty="0">
               <a:solidFill>
@@ -23532,13 +23529,6 @@
   <p:clrMapOvr>
     <a:masterClrMapping/>
   </p:clrMapOvr>
-  <p:timing>
-    <p:tnLst>
-      <p:par>
-        <p:cTn xmlns:p14="http://schemas.microsoft.com/office/powerpoint/2010/main" id="1" dur="indefinite" restart="never" nodeType="tmRoot"/>
-      </p:par>
-    </p:tnLst>
-  </p:timing>
 </p:sld>
 </file>
 
@@ -23851,13 +23841,8 @@
               </a:pPr>
               <a:r>
                 <a:rPr lang="en-US" i="0" dirty="0"/>
-                <a:t>Input number of clusters </a:t>
+                <a:t>Input number of clusters K</a:t>
               </a:r>
-              <a:r>
-                <a:rPr lang="en-US" i="0" dirty="0" smtClean="0"/>
-                <a:t>K</a:t>
-              </a:r>
-              <a:endParaRPr lang="en-US" i="0" dirty="0"/>
             </a:p>
             <a:p>
               <a:pPr marL="457200" indent="-457200" algn="l">
@@ -24156,13 +24141,6 @@
   <p:clrMapOvr>
     <a:masterClrMapping/>
   </p:clrMapOvr>
-  <p:timing>
-    <p:tnLst>
-      <p:par>
-        <p:cTn xmlns:p14="http://schemas.microsoft.com/office/powerpoint/2010/main" id="1" dur="indefinite" restart="never" nodeType="tmRoot"/>
-      </p:par>
-    </p:tnLst>
-  </p:timing>
 </p:sld>
 </file>
 
@@ -24950,13 +24928,6 @@
   <p:clrMapOvr>
     <a:masterClrMapping/>
   </p:clrMapOvr>
-  <p:timing>
-    <p:tnLst>
-      <p:par>
-        <p:cTn xmlns:p14="http://schemas.microsoft.com/office/powerpoint/2010/main" id="1" dur="indefinite" restart="never" nodeType="tmRoot"/>
-      </p:par>
-    </p:tnLst>
-  </p:timing>
 </p:sld>
 </file>
 
@@ -25001,21 +24972,8 @@
           <a:p>
             <a:r>
               <a:rPr lang="en-US" dirty="0"/>
-              <a:t>K-Means – </a:t>
-            </a:r>
-            <a:r>
-              <a:rPr lang="en-US" dirty="0" smtClean="0"/>
-              <a:t>Move Center </a:t>
-            </a:r>
-            <a:r>
-              <a:rPr lang="en-US" dirty="0"/>
-              <a:t>to </a:t>
-            </a:r>
-            <a:r>
-              <a:rPr lang="en-US" dirty="0" smtClean="0"/>
-              <a:t>Middle</a:t>
-            </a:r>
-            <a:endParaRPr lang="en-US" dirty="0"/>
+              <a:t>K-Means – Move Center to Middle</a:t>
+            </a:r>
           </a:p>
         </p:txBody>
       </p:sp>
@@ -26207,13 +26165,6 @@
   <p:clrMapOvr>
     <a:masterClrMapping/>
   </p:clrMapOvr>
-  <p:timing>
-    <p:tnLst>
-      <p:par>
-        <p:cTn xmlns:p14="http://schemas.microsoft.com/office/powerpoint/2010/main" id="1" dur="indefinite" restart="never" nodeType="tmRoot"/>
-      </p:par>
-    </p:tnLst>
-  </p:timing>
 </p:sld>
 </file>
 
@@ -26526,13 +26477,8 @@
               </a:pPr>
               <a:r>
                 <a:rPr lang="en-US" i="0" dirty="0"/>
-                <a:t>Repeat </a:t>
+                <a:t>Repeat until convergence</a:t>
               </a:r>
-              <a:r>
-                <a:rPr lang="en-US" i="0" dirty="0" smtClean="0"/>
-                <a:t>until convergence</a:t>
-              </a:r>
-              <a:endParaRPr lang="en-US" i="0" dirty="0"/>
             </a:p>
           </p:txBody>
         </p:sp>
@@ -26821,13 +26767,6 @@
   <p:clrMapOvr>
     <a:masterClrMapping/>
   </p:clrMapOvr>
-  <p:timing>
-    <p:tnLst>
-      <p:par>
-        <p:cTn xmlns:p14="http://schemas.microsoft.com/office/powerpoint/2010/main" id="1" dur="indefinite" restart="never" nodeType="tmRoot"/>
-      </p:par>
-    </p:tnLst>
-  </p:timing>
 </p:sld>
 </file>
 
@@ -27222,13 +27161,6 @@
   <p:clrMapOvr>
     <a:masterClrMapping/>
   </p:clrMapOvr>
-  <p:timing>
-    <p:tnLst>
-      <p:par>
-        <p:cTn xmlns:p14="http://schemas.microsoft.com/office/powerpoint/2010/main" id="1" dur="indefinite" restart="never" nodeType="tmRoot"/>
-      </p:par>
-    </p:tnLst>
-  </p:timing>
 </p:sld>
 </file>
 
@@ -27266,15 +27198,7 @@
           <a:p>
             <a:r>
               <a:rPr lang="en-US" dirty="0"/>
-              <a:t>Sample K-Means </a:t>
-            </a:r>
-            <a:r>
-              <a:rPr lang="en-US" dirty="0" smtClean="0"/>
-              <a:t>Clustering </a:t>
-            </a:r>
-            <a:r>
-              <a:rPr lang="en-US" dirty="0"/>
-              <a:t>on </a:t>
+              <a:t>Sample K-Means Clustering on </a:t>
             </a:r>
             <a:r>
               <a:rPr lang="en-US" dirty="0" err="1"/>
@@ -27749,13 +27673,6 @@
   <p:clrMapOvr>
     <a:masterClrMapping/>
   </p:clrMapOvr>
-  <p:timing>
-    <p:tnLst>
-      <p:par>
-        <p:cTn xmlns:p14="http://schemas.microsoft.com/office/powerpoint/2010/main" id="1" dur="indefinite" restart="never" nodeType="tmRoot"/>
-      </p:par>
-    </p:tnLst>
-  </p:timing>
 </p:sld>
 </file>
 
@@ -27793,13 +27710,8 @@
           <a:p>
             <a:r>
               <a:rPr lang="en-US" dirty="0"/>
-              <a:t>Import </a:t>
-            </a:r>
-            <a:r>
-              <a:rPr lang="en-US" dirty="0" smtClean="0"/>
-              <a:t>Necessary Libraries</a:t>
-            </a:r>
-            <a:endParaRPr lang="en-US" dirty="0"/>
+              <a:t>Import Necessary Libraries</a:t>
+            </a:r>
           </a:p>
         </p:txBody>
       </p:sp>
@@ -27815,8 +27727,8 @@
         </p:nvSpPr>
         <p:spPr>
           <a:xfrm>
-            <a:off x="838200" y="2120202"/>
-            <a:ext cx="10515600" cy="4529518"/>
+            <a:off x="838200" y="878840"/>
+            <a:ext cx="10515600" cy="5770880"/>
           </a:xfrm>
         </p:spPr>
         <p:txBody>
@@ -27888,13 +27800,6 @@
   <p:clrMapOvr>
     <a:masterClrMapping/>
   </p:clrMapOvr>
-  <p:timing>
-    <p:tnLst>
-      <p:par>
-        <p:cTn xmlns:p14="http://schemas.microsoft.com/office/powerpoint/2010/main" id="1" dur="indefinite" restart="never" nodeType="tmRoot"/>
-      </p:par>
-    </p:tnLst>
-  </p:timing>
 </p:sld>
 </file>
 
@@ -27932,13 +27837,8 @@
           <a:p>
             <a:r>
               <a:rPr lang="en-US" dirty="0"/>
-              <a:t>Build the K-means </a:t>
-            </a:r>
-            <a:r>
-              <a:rPr lang="en-US" dirty="0" smtClean="0"/>
-              <a:t>Model</a:t>
-            </a:r>
-            <a:endParaRPr lang="en-US" dirty="0"/>
+              <a:t>Build the K-means Model</a:t>
+            </a:r>
           </a:p>
         </p:txBody>
       </p:sp>
@@ -28085,13 +27985,6 @@
   <p:clrMapOvr>
     <a:masterClrMapping/>
   </p:clrMapOvr>
-  <p:timing>
-    <p:tnLst>
-      <p:par>
-        <p:cTn xmlns:p14="http://schemas.microsoft.com/office/powerpoint/2010/main" id="1" dur="indefinite" restart="never" nodeType="tmRoot"/>
-      </p:par>
-    </p:tnLst>
-  </p:timing>
 </p:sld>
 </file>
 
@@ -28314,13 +28207,6 @@
   <p:clrMapOvr>
     <a:masterClrMapping/>
   </p:clrMapOvr>
-  <p:timing>
-    <p:tnLst>
-      <p:par>
-        <p:cTn xmlns:p14="http://schemas.microsoft.com/office/powerpoint/2010/main" id="1" dur="indefinite" restart="never" nodeType="tmRoot"/>
-      </p:par>
-    </p:tnLst>
-  </p:timing>
 </p:sld>
 </file>
 
@@ -28636,23 +28522,8 @@
                     </a:solidFill>
                     <a:latin typeface="Segoe UI"/>
                   </a:rPr>
-                  <a:t>In this lesson, you have </a:t>
+                  <a:t>In this lesson, you have learned how to:</a:t>
                 </a:r>
-                <a:r>
-                  <a:rPr lang="en-US" i="0" dirty="0" smtClean="0">
-                    <a:solidFill>
-                      <a:prstClr val="white"/>
-                    </a:solidFill>
-                    <a:latin typeface="Segoe UI"/>
-                  </a:rPr>
-                  <a:t>learned how to:</a:t>
-                </a:r>
-                <a:endParaRPr lang="en-US" i="0" dirty="0">
-                  <a:solidFill>
-                    <a:prstClr val="white"/>
-                  </a:solidFill>
-                  <a:latin typeface="Segoe UI"/>
-                </a:endParaRPr>
               </a:p>
             </p:txBody>
           </p:sp>
@@ -28703,7 +28574,7 @@
                 <a:buChar char="§"/>
               </a:pPr>
               <a:r>
-                <a:rPr lang="en-US" sz="2800" dirty="0" smtClean="0"/>
+                <a:rPr lang="en-US" sz="2800" dirty="0"/>
                 <a:t>Understand what a clustering algorithm does</a:t>
               </a:r>
             </a:p>
@@ -28713,7 +28584,7 @@
                 <a:buChar char="§"/>
               </a:pPr>
               <a:r>
-                <a:rPr lang="en-US" sz="2800" dirty="0" smtClean="0"/>
+                <a:rPr lang="en-US" sz="2800" dirty="0"/>
                 <a:t>Understand supervised and unsupervised learning</a:t>
               </a:r>
             </a:p>
@@ -28723,7 +28594,7 @@
                 <a:buChar char="§"/>
               </a:pPr>
               <a:r>
-                <a:rPr lang="en-US" sz="2800" dirty="0" smtClean="0"/>
+                <a:rPr lang="en-US" sz="2800" dirty="0"/>
                 <a:t>Recognize the K-Means algorithm</a:t>
               </a:r>
             </a:p>
@@ -28733,11 +28604,11 @@
                 <a:buChar char="§"/>
               </a:pPr>
               <a:r>
-                <a:rPr lang="en-US" sz="2800" dirty="0" smtClean="0"/>
+                <a:rPr lang="en-US" sz="2800" dirty="0"/>
                 <a:t>Run K-Means on Spark </a:t>
               </a:r>
               <a:r>
-                <a:rPr lang="en-US" sz="2800" dirty="0" err="1" smtClean="0"/>
+                <a:rPr lang="en-US" sz="2800" dirty="0" err="1"/>
                 <a:t>MLlib</a:t>
               </a:r>
               <a:endParaRPr lang="en-US" sz="2800" dirty="0"/>
@@ -28755,13 +28626,6 @@
   <p:clrMapOvr>
     <a:masterClrMapping/>
   </p:clrMapOvr>
-  <p:timing>
-    <p:tnLst>
-      <p:par>
-        <p:cTn xmlns:p14="http://schemas.microsoft.com/office/powerpoint/2010/main" id="1" dur="indefinite" restart="never" nodeType="tmRoot"/>
-      </p:par>
-    </p:tnLst>
-  </p:timing>
 </p:sld>
 </file>
 
@@ -28850,13 +28714,6 @@
   <p:clrMapOvr>
     <a:masterClrMapping/>
   </p:clrMapOvr>
-  <p:timing>
-    <p:tnLst>
-      <p:par>
-        <p:cTn xmlns:p14="http://schemas.microsoft.com/office/powerpoint/2010/main" id="1" dur="indefinite" restart="never" nodeType="tmRoot"/>
-      </p:par>
-    </p:tnLst>
-  </p:timing>
 </p:sld>
 </file>
 
@@ -29244,12 +29101,8 @@
                 <a:buChar char="§"/>
               </a:pPr>
               <a:r>
-                <a:rPr lang="en-US" sz="2800" dirty="0" smtClean="0"/>
-                <a:t>Recognize the K-Means </a:t>
-              </a:r>
-              <a:r>
                 <a:rPr lang="en-US" sz="2800" dirty="0"/>
-                <a:t>algorithm</a:t>
+                <a:t>Recognize the K-Means algorithm</a:t>
               </a:r>
             </a:p>
             <a:p>
@@ -29258,12 +29111,8 @@
                 <a:buChar char="§"/>
               </a:pPr>
               <a:r>
-                <a:rPr lang="en-US" sz="2800" dirty="0" smtClean="0"/>
-                <a:t>Run </a:t>
-              </a:r>
-              <a:r>
                 <a:rPr lang="en-US" sz="2800" dirty="0"/>
-                <a:t>K-Means on Spark MLlib</a:t>
+                <a:t>Run K-Means on Spark MLlib</a:t>
               </a:r>
             </a:p>
           </p:txBody>
@@ -29279,13 +29128,6 @@
   <p:clrMapOvr>
     <a:masterClrMapping/>
   </p:clrMapOvr>
-  <p:timing>
-    <p:tnLst>
-      <p:par>
-        <p:cTn xmlns:p14="http://schemas.microsoft.com/office/powerpoint/2010/main" id="1" dur="indefinite" restart="never" nodeType="tmRoot"/>
-      </p:par>
-    </p:tnLst>
-  </p:timing>
 </p:sld>
 </file>
 
@@ -29830,7 +29672,7 @@
                 </a:ext>
               </a:extLst>
             </a:blip>
-            <a:srcRect t="46230"/>
+            <a:srcRect/>
             <a:stretch/>
           </p:blipFill>
           <p:spPr bwMode="auto">
@@ -30237,13 +30079,6 @@
   <p:clrMapOvr>
     <a:masterClrMapping/>
   </p:clrMapOvr>
-  <p:timing>
-    <p:tnLst>
-      <p:par>
-        <p:cTn xmlns:p14="http://schemas.microsoft.com/office/powerpoint/2010/main" id="1" dur="indefinite" restart="never" nodeType="tmRoot"/>
-      </p:par>
-    </p:tnLst>
-  </p:timing>
 </p:sld>
 </file>
 
@@ -30677,7 +30512,7 @@
                   </a:ext>
                 </a:extLst>
               </a:blip>
-              <a:srcRect t="46230"/>
+              <a:srcRect/>
               <a:stretch/>
             </p:blipFill>
             <p:spPr bwMode="auto">
@@ -30935,13 +30770,6 @@
   <p:clrMapOvr>
     <a:masterClrMapping/>
   </p:clrMapOvr>
-  <p:timing>
-    <p:tnLst>
-      <p:par>
-        <p:cTn xmlns:p14="http://schemas.microsoft.com/office/powerpoint/2010/main" id="1" dur="indefinite" restart="never" nodeType="tmRoot"/>
-      </p:par>
-    </p:tnLst>
-  </p:timing>
 </p:sld>
 </file>
 
@@ -31120,6 +30948,9 @@
               <a:avLst/>
             </a:prstGeom>
             <a:noFill/>
+            <a:ln>
+              <a:noFill/>
+            </a:ln>
             <a:extLst>
               <a:ext uri="{909E8E84-426E-40dd-AFC4-6F175D3DCCD1}">
                 <a14:hiddenFill xmlns:a14="http://schemas.microsoft.com/office/drawing/2010/main">
@@ -31265,21 +31096,8 @@
           <a:p>
             <a:r>
               <a:rPr lang="en-US" dirty="0"/>
-              <a:t>Goal is </a:t>
-            </a:r>
-            <a:r>
-              <a:rPr lang="en-US" dirty="0" smtClean="0"/>
-              <a:t>to Group Items into </a:t>
-            </a:r>
-            <a:r>
-              <a:rPr lang="en-US" dirty="0"/>
-              <a:t>C</a:t>
-            </a:r>
-            <a:r>
-              <a:rPr lang="en-US" dirty="0" smtClean="0"/>
-              <a:t>lusters</a:t>
-            </a:r>
-            <a:endParaRPr lang="en-US" dirty="0"/>
+              <a:t>Goal is to Group Items into Clusters</a:t>
+            </a:r>
           </a:p>
         </p:txBody>
       </p:sp>
@@ -31568,7 +31386,7 @@
               </a:ext>
             </a:extLst>
           </a:blip>
-          <a:srcRect t="46230"/>
+          <a:srcRect/>
           <a:stretch/>
         </p:blipFill>
         <p:spPr bwMode="auto">
@@ -31601,13 +31419,6 @@
   <p:clrMapOvr>
     <a:masterClrMapping/>
   </p:clrMapOvr>
-  <p:timing>
-    <p:tnLst>
-      <p:par>
-        <p:cTn xmlns:p14="http://schemas.microsoft.com/office/powerpoint/2010/main" id="1" dur="indefinite" restart="never" nodeType="tmRoot"/>
-      </p:par>
-    </p:tnLst>
-  </p:timing>
 </p:sld>
 </file>
 
@@ -31917,15 +31728,7 @@
               <a:pPr algn="l"/>
               <a:r>
                 <a:rPr lang="en-US" i="0" dirty="0"/>
-                <a:t>Data within clusters should be similar to each other </a:t>
-              </a:r>
-              <a:r>
-                <a:rPr lang="en-US" i="0" dirty="0" smtClean="0"/>
-                <a:t>member </a:t>
-              </a:r>
-              <a:r>
-                <a:rPr lang="en-US" i="0" dirty="0"/>
-                <a:t>of the cluster</a:t>
+                <a:t>Data within clusters should be similar to each other member of the cluster</a:t>
               </a:r>
             </a:p>
           </p:txBody>
@@ -32457,15 +32260,7 @@
           <a:p>
             <a:r>
               <a:rPr lang="en-US" dirty="0"/>
-              <a:t>What </a:t>
-            </a:r>
-            <a:r>
-              <a:rPr lang="en-US" dirty="0" smtClean="0"/>
-              <a:t>Does </a:t>
-            </a:r>
-            <a:r>
-              <a:rPr lang="en-US" dirty="0"/>
-              <a:t>Clustering Do?</a:t>
+              <a:t>What Does Clustering Do?</a:t>
             </a:r>
           </a:p>
         </p:txBody>
@@ -32527,12 +32322,8 @@
               <a:buChar char="§"/>
             </a:pPr>
             <a:r>
-              <a:rPr lang="en-US" dirty="0" smtClean="0"/>
-              <a:t>Derives </a:t>
-            </a:r>
-            <a:r>
               <a:rPr lang="en-US" dirty="0"/>
-              <a:t>plant and animal taxonomies</a:t>
+              <a:t>Derives plant and animal taxonomies</a:t>
             </a:r>
           </a:p>
           <a:p>
@@ -32541,440 +32332,9 @@
               <a:buChar char="§"/>
             </a:pPr>
             <a:r>
-              <a:rPr lang="en-US" dirty="0" smtClean="0"/>
-              <a:t>Categorizes </a:t>
-            </a:r>
-            <a:r>
               <a:rPr lang="en-US" dirty="0"/>
-              <a:t>genes with similar functionalities</a:t>
-            </a:r>
-          </a:p>
-        </p:txBody>
-      </p:sp>
-      <p:grpSp>
-        <p:nvGrpSpPr>
-          <p:cNvPr id="6" name="Group 5"/>
-          <p:cNvGrpSpPr/>
-          <p:nvPr/>
-        </p:nvGrpSpPr>
-        <p:grpSpPr>
-          <a:xfrm>
-            <a:off x="0" y="1950630"/>
-            <a:ext cx="12192000" cy="832911"/>
-            <a:chOff x="0" y="1950630"/>
-            <a:chExt cx="12192000" cy="832911"/>
-          </a:xfrm>
-        </p:grpSpPr>
-        <p:sp>
-          <p:nvSpPr>
-            <p:cNvPr id="7" name="Rectangle 6"/>
-            <p:cNvSpPr/>
-            <p:nvPr/>
-          </p:nvSpPr>
-          <p:spPr>
-            <a:xfrm>
-              <a:off x="0" y="1950630"/>
-              <a:ext cx="12192000" cy="832911"/>
-            </a:xfrm>
-            <a:prstGeom prst="rect">
-              <a:avLst/>
-            </a:prstGeom>
-            <a:solidFill>
-              <a:srgbClr val="0070C0"/>
-            </a:solidFill>
-            <a:ln w="9525" cap="flat" cmpd="sng" algn="ctr">
-              <a:noFill/>
-              <a:prstDash val="solid"/>
-            </a:ln>
-            <a:effectLst/>
-          </p:spPr>
-          <p:txBody>
-            <a:bodyPr rtlCol="0" anchor="ctr"/>
-            <a:lstStyle/>
-            <a:p>
-              <a:pPr marL="0" marR="0" lvl="0" indent="0" defTabSz="914400" eaLnBrk="1" fontAlgn="auto" latinLnBrk="0" hangingPunct="1">
-                <a:lnSpc>
-                  <a:spcPct val="100000"/>
-                </a:lnSpc>
-                <a:spcBef>
-                  <a:spcPts val="0"/>
-                </a:spcBef>
-                <a:spcAft>
-                  <a:spcPts val="0"/>
-                </a:spcAft>
-                <a:buClrTx/>
-                <a:buSzTx/>
-                <a:buFont typeface="Arial" panose="020B0604020202020204" pitchFamily="34" charset="0"/>
-                <a:buNone/>
-                <a:tabLst/>
-                <a:defRPr/>
-              </a:pPr>
-              <a:endParaRPr kumimoji="0" lang="en-US" sz="1100" i="0" u="none" strike="noStrike" kern="0" cap="none" spc="0" normalizeH="0" baseline="0" noProof="0" dirty="0">
-                <a:ln>
-                  <a:noFill/>
-                </a:ln>
-                <a:solidFill>
-                  <a:prstClr val="white"/>
-                </a:solidFill>
-                <a:effectLst/>
-                <a:uLnTx/>
-                <a:uFillTx/>
-                <a:latin typeface="+mj-lt"/>
-              </a:endParaRPr>
-            </a:p>
-          </p:txBody>
-        </p:sp>
-        <p:sp>
-          <p:nvSpPr>
-            <p:cNvPr id="8" name="Content Placeholder 2"/>
-            <p:cNvSpPr txBox="1">
-              <a:spLocks/>
-            </p:cNvSpPr>
-            <p:nvPr/>
-          </p:nvSpPr>
-          <p:spPr>
-            <a:xfrm>
-              <a:off x="848724" y="1950630"/>
-              <a:ext cx="9423400" cy="832911"/>
-            </a:xfrm>
-            <a:prstGeom prst="rect">
-              <a:avLst/>
-            </a:prstGeom>
-          </p:spPr>
-          <p:txBody>
-            <a:bodyPr anchor="ctr"/>
-            <a:lstStyle>
-              <a:lvl1pPr marL="0" indent="0" algn="ctr" defTabSz="914400" rtl="0" eaLnBrk="1" latinLnBrk="0" hangingPunct="1">
-                <a:lnSpc>
-                  <a:spcPct val="90000"/>
-                </a:lnSpc>
-                <a:spcBef>
-                  <a:spcPts val="1000"/>
-                </a:spcBef>
-                <a:buFont typeface="Arial" panose="020B0604020202020204" pitchFamily="34" charset="0"/>
-                <a:buNone/>
-                <a:defRPr sz="2800" i="1" kern="1200">
-                  <a:solidFill>
-                    <a:schemeClr val="bg1"/>
-                  </a:solidFill>
-                  <a:latin typeface="+mn-lt"/>
-                  <a:ea typeface="+mn-ea"/>
-                  <a:cs typeface="+mn-cs"/>
-                </a:defRPr>
-              </a:lvl1pPr>
-              <a:lvl2pPr marL="457200" indent="0" algn="ctr" defTabSz="914400" rtl="0" eaLnBrk="1" latinLnBrk="0" hangingPunct="1">
-                <a:lnSpc>
-                  <a:spcPct val="90000"/>
-                </a:lnSpc>
-                <a:spcBef>
-                  <a:spcPts val="500"/>
-                </a:spcBef>
-                <a:buFont typeface="Arial" panose="020B0604020202020204" pitchFamily="34" charset="0"/>
-                <a:buNone/>
-                <a:defRPr sz="2400" i="1" kern="1200">
-                  <a:solidFill>
-                    <a:schemeClr val="bg1"/>
-                  </a:solidFill>
-                  <a:latin typeface="+mn-lt"/>
-                  <a:ea typeface="+mn-ea"/>
-                  <a:cs typeface="+mn-cs"/>
-                </a:defRPr>
-              </a:lvl2pPr>
-              <a:lvl3pPr marL="914400" indent="0" algn="ctr" defTabSz="914400" rtl="0" eaLnBrk="1" latinLnBrk="0" hangingPunct="1">
-                <a:lnSpc>
-                  <a:spcPct val="90000"/>
-                </a:lnSpc>
-                <a:spcBef>
-                  <a:spcPts val="500"/>
-                </a:spcBef>
-                <a:buFont typeface="Arial" panose="020B0604020202020204" pitchFamily="34" charset="0"/>
-                <a:buNone/>
-                <a:defRPr sz="2000" i="1" kern="1200">
-                  <a:solidFill>
-                    <a:schemeClr val="bg1"/>
-                  </a:solidFill>
-                  <a:latin typeface="+mn-lt"/>
-                  <a:ea typeface="+mn-ea"/>
-                  <a:cs typeface="+mn-cs"/>
-                </a:defRPr>
-              </a:lvl3pPr>
-              <a:lvl4pPr marL="1371600" indent="0" algn="ctr" defTabSz="914400" rtl="0" eaLnBrk="1" latinLnBrk="0" hangingPunct="1">
-                <a:lnSpc>
-                  <a:spcPct val="90000"/>
-                </a:lnSpc>
-                <a:spcBef>
-                  <a:spcPts val="500"/>
-                </a:spcBef>
-                <a:buFont typeface="Arial" panose="020B0604020202020204" pitchFamily="34" charset="0"/>
-                <a:buNone/>
-                <a:defRPr sz="1800" i="1" kern="1200">
-                  <a:solidFill>
-                    <a:schemeClr val="bg1"/>
-                  </a:solidFill>
-                  <a:latin typeface="+mn-lt"/>
-                  <a:ea typeface="+mn-ea"/>
-                  <a:cs typeface="+mn-cs"/>
-                </a:defRPr>
-              </a:lvl4pPr>
-              <a:lvl5pPr marL="1828800" indent="0" algn="ctr" defTabSz="914400" rtl="0" eaLnBrk="1" latinLnBrk="0" hangingPunct="1">
-                <a:lnSpc>
-                  <a:spcPct val="90000"/>
-                </a:lnSpc>
-                <a:spcBef>
-                  <a:spcPts val="500"/>
-                </a:spcBef>
-                <a:buFont typeface="Arial" panose="020B0604020202020204" pitchFamily="34" charset="0"/>
-                <a:buNone/>
-                <a:defRPr sz="1800" i="1" kern="1200">
-                  <a:solidFill>
-                    <a:schemeClr val="bg1"/>
-                  </a:solidFill>
-                  <a:latin typeface="+mn-lt"/>
-                  <a:ea typeface="+mn-ea"/>
-                  <a:cs typeface="+mn-cs"/>
-                </a:defRPr>
-              </a:lvl5pPr>
-              <a:lvl6pPr marL="2514600" indent="-228600" algn="l" defTabSz="914400" rtl="0" eaLnBrk="1" latinLnBrk="0" hangingPunct="1">
-                <a:lnSpc>
-                  <a:spcPct val="90000"/>
-                </a:lnSpc>
-                <a:spcBef>
-                  <a:spcPts val="500"/>
-                </a:spcBef>
-                <a:buFont typeface="Arial" panose="020B0604020202020204" pitchFamily="34" charset="0"/>
-                <a:buChar char="•"/>
-                <a:defRPr sz="1800" kern="1200">
-                  <a:solidFill>
-                    <a:schemeClr val="tx1"/>
-                  </a:solidFill>
-                  <a:latin typeface="+mn-lt"/>
-                  <a:ea typeface="+mn-ea"/>
-                  <a:cs typeface="+mn-cs"/>
-                </a:defRPr>
-              </a:lvl6pPr>
-              <a:lvl7pPr marL="2971800" indent="-228600" algn="l" defTabSz="914400" rtl="0" eaLnBrk="1" latinLnBrk="0" hangingPunct="1">
-                <a:lnSpc>
-                  <a:spcPct val="90000"/>
-                </a:lnSpc>
-                <a:spcBef>
-                  <a:spcPts val="500"/>
-                </a:spcBef>
-                <a:buFont typeface="Arial" panose="020B0604020202020204" pitchFamily="34" charset="0"/>
-                <a:buChar char="•"/>
-                <a:defRPr sz="1800" kern="1200">
-                  <a:solidFill>
-                    <a:schemeClr val="tx1"/>
-                  </a:solidFill>
-                  <a:latin typeface="+mn-lt"/>
-                  <a:ea typeface="+mn-ea"/>
-                  <a:cs typeface="+mn-cs"/>
-                </a:defRPr>
-              </a:lvl7pPr>
-              <a:lvl8pPr marL="3429000" indent="-228600" algn="l" defTabSz="914400" rtl="0" eaLnBrk="1" latinLnBrk="0" hangingPunct="1">
-                <a:lnSpc>
-                  <a:spcPct val="90000"/>
-                </a:lnSpc>
-                <a:spcBef>
-                  <a:spcPts val="500"/>
-                </a:spcBef>
-                <a:buFont typeface="Arial" panose="020B0604020202020204" pitchFamily="34" charset="0"/>
-                <a:buChar char="•"/>
-                <a:defRPr sz="1800" kern="1200">
-                  <a:solidFill>
-                    <a:schemeClr val="tx1"/>
-                  </a:solidFill>
-                  <a:latin typeface="+mn-lt"/>
-                  <a:ea typeface="+mn-ea"/>
-                  <a:cs typeface="+mn-cs"/>
-                </a:defRPr>
-              </a:lvl8pPr>
-              <a:lvl9pPr marL="3886200" indent="-228600" algn="l" defTabSz="914400" rtl="0" eaLnBrk="1" latinLnBrk="0" hangingPunct="1">
-                <a:lnSpc>
-                  <a:spcPct val="90000"/>
-                </a:lnSpc>
-                <a:spcBef>
-                  <a:spcPts val="500"/>
-                </a:spcBef>
-                <a:buFont typeface="Arial" panose="020B0604020202020204" pitchFamily="34" charset="0"/>
-                <a:buChar char="•"/>
-                <a:defRPr sz="1800" kern="1200">
-                  <a:solidFill>
-                    <a:schemeClr val="tx1"/>
-                  </a:solidFill>
-                  <a:latin typeface="+mn-lt"/>
-                  <a:ea typeface="+mn-ea"/>
-                  <a:cs typeface="+mn-cs"/>
-                </a:defRPr>
-              </a:lvl9pPr>
-            </a:lstStyle>
-            <a:p>
-              <a:pPr algn="l"/>
-              <a:r>
-                <a:rPr lang="en-US" i="0" dirty="0" smtClean="0"/>
-                <a:t>Groups </a:t>
-              </a:r>
-              <a:r>
-                <a:rPr lang="en-US" i="0" dirty="0"/>
-                <a:t>items based on similar characteristics</a:t>
-              </a:r>
-            </a:p>
-          </p:txBody>
-        </p:sp>
-      </p:grpSp>
-    </p:spTree>
-    <p:extLst>
-      <p:ext uri="{BB962C8B-B14F-4D97-AF65-F5344CB8AC3E}">
-        <p14:creationId xmlns:p14="http://schemas.microsoft.com/office/powerpoint/2010/main" val="1692201934"/>
-      </p:ext>
-    </p:extLst>
-  </p:cSld>
-  <p:clrMapOvr>
-    <a:masterClrMapping/>
-  </p:clrMapOvr>
-  <p:timing>
-    <p:tnLst>
-      <p:par>
-        <p:cTn xmlns:p14="http://schemas.microsoft.com/office/powerpoint/2010/main" id="1" dur="indefinite" restart="never" nodeType="tmRoot"/>
-      </p:par>
-    </p:tnLst>
-  </p:timing>
-</p:sld>
-</file>
-
-<file path=ppt/slides/slide9.xml><?xml version="1.0" encoding="utf-8"?>
-<p:sld xmlns:a="http://schemas.openxmlformats.org/drawingml/2006/main" xmlns:r="http://schemas.openxmlformats.org/officeDocument/2006/relationships" xmlns:p="http://schemas.openxmlformats.org/presentationml/2006/main">
-  <p:cSld>
-    <p:spTree>
-      <p:nvGrpSpPr>
-        <p:cNvPr id="1" name=""/>
-        <p:cNvGrpSpPr/>
-        <p:nvPr/>
-      </p:nvGrpSpPr>
-      <p:grpSpPr>
-        <a:xfrm>
-          <a:off x="0" y="0"/>
-          <a:ext cx="0" cy="0"/>
-          <a:chOff x="0" y="0"/>
-          <a:chExt cx="0" cy="0"/>
-        </a:xfrm>
-      </p:grpSpPr>
-      <p:sp>
-        <p:nvSpPr>
-          <p:cNvPr id="2" name="Title 1"/>
-          <p:cNvSpPr>
-            <a:spLocks noGrp="1"/>
-          </p:cNvSpPr>
-          <p:nvPr>
-            <p:ph type="title"/>
-          </p:nvPr>
-        </p:nvSpPr>
-        <p:spPr/>
-        <p:txBody>
-          <a:bodyPr/>
-          <a:lstStyle/>
-          <a:p>
-            <a:r>
-              <a:rPr lang="en-US" dirty="0"/>
-              <a:t>K-Means Clustering</a:t>
-            </a:r>
-          </a:p>
-        </p:txBody>
-      </p:sp>
-      <p:sp>
-        <p:nvSpPr>
-          <p:cNvPr id="3" name="Content Placeholder 2"/>
-          <p:cNvSpPr>
-            <a:spLocks noGrp="1"/>
-          </p:cNvSpPr>
-          <p:nvPr>
-            <p:ph idx="1"/>
-          </p:nvPr>
-        </p:nvSpPr>
-        <p:spPr>
-          <a:xfrm>
-            <a:off x="838200" y="3302033"/>
-            <a:ext cx="10515600" cy="3054162"/>
-          </a:xfrm>
-        </p:spPr>
-        <p:txBody>
-          <a:bodyPr>
-            <a:normAutofit lnSpcReduction="10000"/>
-          </a:bodyPr>
-          <a:lstStyle/>
-          <a:p>
-            <a:pPr marL="514350" indent="-514350">
-              <a:buFont typeface="+mj-lt"/>
-              <a:buAutoNum type="arabicPeriod"/>
-            </a:pPr>
-            <a:r>
-              <a:rPr lang="en-US" dirty="0"/>
-              <a:t>Input the number of clusters (K) and randomly initialize the </a:t>
-            </a:r>
-            <a:r>
-              <a:rPr lang="en-US" dirty="0" smtClean="0"/>
-              <a:t>centers.</a:t>
-            </a:r>
-            <a:endParaRPr lang="en-US" dirty="0"/>
-          </a:p>
-          <a:p>
-            <a:pPr marL="514350" indent="-514350">
-              <a:buFont typeface="+mj-lt"/>
-              <a:buAutoNum type="arabicPeriod"/>
-            </a:pPr>
-            <a:r>
-              <a:rPr lang="en-US" dirty="0"/>
-              <a:t>Assign every point in the data to closest one of these </a:t>
-            </a:r>
-            <a:r>
-              <a:rPr lang="en-US" dirty="0" smtClean="0"/>
-              <a:t>centers.</a:t>
-            </a:r>
-            <a:endParaRPr lang="en-US" dirty="0"/>
-          </a:p>
-          <a:p>
-            <a:pPr marL="514350" indent="-514350">
-              <a:buFont typeface="+mj-lt"/>
-              <a:buAutoNum type="arabicPeriod"/>
-            </a:pPr>
-            <a:r>
-              <a:rPr lang="en-US" dirty="0"/>
-              <a:t>For each of the cluster centers, move the center to the middle of that cluster (mean</a:t>
-            </a:r>
-            <a:r>
-              <a:rPr lang="en-US" dirty="0" smtClean="0"/>
-              <a:t>).</a:t>
-            </a:r>
-            <a:endParaRPr lang="en-US" dirty="0"/>
-          </a:p>
-          <a:p>
-            <a:pPr marL="514350" indent="-514350">
-              <a:buFont typeface="+mj-lt"/>
-              <a:buAutoNum type="arabicPeriod"/>
-            </a:pPr>
-            <a:r>
-              <a:rPr lang="en-US" dirty="0"/>
-              <a:t>Reassign each point to the new closest </a:t>
-            </a:r>
-            <a:r>
-              <a:rPr lang="en-US" dirty="0" smtClean="0"/>
-              <a:t>center.</a:t>
-            </a:r>
-            <a:endParaRPr lang="en-US" dirty="0"/>
-          </a:p>
-          <a:p>
-            <a:pPr marL="514350" indent="-514350">
-              <a:buFont typeface="+mj-lt"/>
-              <a:buAutoNum type="arabicPeriod"/>
-            </a:pPr>
-            <a:r>
-              <a:rPr lang="en-US" dirty="0"/>
-              <a:t>Repeat from step 2 until </a:t>
-            </a:r>
-            <a:r>
-              <a:rPr lang="en-US" dirty="0" smtClean="0"/>
-              <a:t>convergence.</a:t>
-            </a:r>
-            <a:endParaRPr lang="en-US" dirty="0"/>
+              <a:t>Categorizes genes with similar functionalities</a:t>
+            </a:r>
           </a:p>
         </p:txBody>
       </p:sp>
@@ -33238,13 +32598,399 @@
               <a:pPr algn="l"/>
               <a:r>
                 <a:rPr lang="en-US" i="0" dirty="0"/>
-                <a:t>Group items based </a:t>
+                <a:t>Groups items based on similar characteristics</a:t>
               </a:r>
+            </a:p>
+          </p:txBody>
+        </p:sp>
+      </p:grpSp>
+    </p:spTree>
+    <p:extLst>
+      <p:ext uri="{BB962C8B-B14F-4D97-AF65-F5344CB8AC3E}">
+        <p14:creationId xmlns:p14="http://schemas.microsoft.com/office/powerpoint/2010/main" val="1692201934"/>
+      </p:ext>
+    </p:extLst>
+  </p:cSld>
+  <p:clrMapOvr>
+    <a:masterClrMapping/>
+  </p:clrMapOvr>
+</p:sld>
+</file>
+
+<file path=ppt/slides/slide9.xml><?xml version="1.0" encoding="utf-8"?>
+<p:sld xmlns:a="http://schemas.openxmlformats.org/drawingml/2006/main" xmlns:r="http://schemas.openxmlformats.org/officeDocument/2006/relationships" xmlns:p="http://schemas.openxmlformats.org/presentationml/2006/main">
+  <p:cSld>
+    <p:spTree>
+      <p:nvGrpSpPr>
+        <p:cNvPr id="1" name=""/>
+        <p:cNvGrpSpPr/>
+        <p:nvPr/>
+      </p:nvGrpSpPr>
+      <p:grpSpPr>
+        <a:xfrm>
+          <a:off x="0" y="0"/>
+          <a:ext cx="0" cy="0"/>
+          <a:chOff x="0" y="0"/>
+          <a:chExt cx="0" cy="0"/>
+        </a:xfrm>
+      </p:grpSpPr>
+      <p:sp>
+        <p:nvSpPr>
+          <p:cNvPr id="2" name="Title 1"/>
+          <p:cNvSpPr>
+            <a:spLocks noGrp="1"/>
+          </p:cNvSpPr>
+          <p:nvPr>
+            <p:ph type="title"/>
+          </p:nvPr>
+        </p:nvSpPr>
+        <p:spPr/>
+        <p:txBody>
+          <a:bodyPr/>
+          <a:lstStyle/>
+          <a:p>
+            <a:r>
+              <a:rPr lang="en-US" dirty="0"/>
+              <a:t>K-Means Clustering</a:t>
+            </a:r>
+          </a:p>
+        </p:txBody>
+      </p:sp>
+      <p:sp>
+        <p:nvSpPr>
+          <p:cNvPr id="3" name="Content Placeholder 2"/>
+          <p:cNvSpPr>
+            <a:spLocks noGrp="1"/>
+          </p:cNvSpPr>
+          <p:nvPr>
+            <p:ph idx="1"/>
+          </p:nvPr>
+        </p:nvSpPr>
+        <p:spPr>
+          <a:xfrm>
+            <a:off x="838200" y="3302033"/>
+            <a:ext cx="10515600" cy="3054162"/>
+          </a:xfrm>
+        </p:spPr>
+        <p:txBody>
+          <a:bodyPr>
+            <a:normAutofit lnSpcReduction="10000"/>
+          </a:bodyPr>
+          <a:lstStyle/>
+          <a:p>
+            <a:pPr marL="514350" indent="-514350">
+              <a:buFont typeface="+mj-lt"/>
+              <a:buAutoNum type="arabicPeriod"/>
+            </a:pPr>
+            <a:r>
+              <a:rPr lang="en-US" dirty="0"/>
+              <a:t>Input the number of clusters (K) and randomly initialize the centers.</a:t>
+            </a:r>
+          </a:p>
+          <a:p>
+            <a:pPr marL="514350" indent="-514350">
+              <a:buFont typeface="+mj-lt"/>
+              <a:buAutoNum type="arabicPeriod"/>
+            </a:pPr>
+            <a:r>
+              <a:rPr lang="en-US" dirty="0"/>
+              <a:t>Assign every point in the data to closest one of these centers.</a:t>
+            </a:r>
+          </a:p>
+          <a:p>
+            <a:pPr marL="514350" indent="-514350">
+              <a:buFont typeface="+mj-lt"/>
+              <a:buAutoNum type="arabicPeriod"/>
+            </a:pPr>
+            <a:r>
+              <a:rPr lang="en-US" dirty="0"/>
+              <a:t>For each of the cluster centers, move the center to the middle of that cluster (mean).</a:t>
+            </a:r>
+          </a:p>
+          <a:p>
+            <a:pPr marL="514350" indent="-514350">
+              <a:buFont typeface="+mj-lt"/>
+              <a:buAutoNum type="arabicPeriod"/>
+            </a:pPr>
+            <a:r>
+              <a:rPr lang="en-US" dirty="0"/>
+              <a:t>Reassign each point to the new closest center.</a:t>
+            </a:r>
+          </a:p>
+          <a:p>
+            <a:pPr marL="514350" indent="-514350">
+              <a:buFont typeface="+mj-lt"/>
+              <a:buAutoNum type="arabicPeriod"/>
+            </a:pPr>
+            <a:r>
+              <a:rPr lang="en-US" dirty="0"/>
+              <a:t>Repeat from step 2 until convergence.</a:t>
+            </a:r>
+          </a:p>
+        </p:txBody>
+      </p:sp>
+      <p:grpSp>
+        <p:nvGrpSpPr>
+          <p:cNvPr id="6" name="Group 5"/>
+          <p:cNvGrpSpPr/>
+          <p:nvPr/>
+        </p:nvGrpSpPr>
+        <p:grpSpPr>
+          <a:xfrm>
+            <a:off x="0" y="1950630"/>
+            <a:ext cx="12192000" cy="832911"/>
+            <a:chOff x="0" y="1950630"/>
+            <a:chExt cx="12192000" cy="832911"/>
+          </a:xfrm>
+        </p:grpSpPr>
+        <p:sp>
+          <p:nvSpPr>
+            <p:cNvPr id="7" name="Rectangle 6"/>
+            <p:cNvSpPr/>
+            <p:nvPr/>
+          </p:nvSpPr>
+          <p:spPr>
+            <a:xfrm>
+              <a:off x="0" y="1950630"/>
+              <a:ext cx="12192000" cy="832911"/>
+            </a:xfrm>
+            <a:prstGeom prst="rect">
+              <a:avLst/>
+            </a:prstGeom>
+            <a:solidFill>
+              <a:srgbClr val="0070C0"/>
+            </a:solidFill>
+            <a:ln w="9525" cap="flat" cmpd="sng" algn="ctr">
+              <a:noFill/>
+              <a:prstDash val="solid"/>
+            </a:ln>
+            <a:effectLst/>
+          </p:spPr>
+          <p:txBody>
+            <a:bodyPr rtlCol="0" anchor="ctr"/>
+            <a:lstStyle/>
+            <a:p>
+              <a:pPr marL="0" marR="0" lvl="0" indent="0" defTabSz="914400" eaLnBrk="1" fontAlgn="auto" latinLnBrk="0" hangingPunct="1">
+                <a:lnSpc>
+                  <a:spcPct val="100000"/>
+                </a:lnSpc>
+                <a:spcBef>
+                  <a:spcPts val="0"/>
+                </a:spcBef>
+                <a:spcAft>
+                  <a:spcPts val="0"/>
+                </a:spcAft>
+                <a:buClrTx/>
+                <a:buSzTx/>
+                <a:buFont typeface="Arial" panose="020B0604020202020204" pitchFamily="34" charset="0"/>
+                <a:buNone/>
+                <a:tabLst/>
+                <a:defRPr/>
+              </a:pPr>
+              <a:endParaRPr kumimoji="0" lang="en-US" sz="1100" i="0" u="none" strike="noStrike" kern="0" cap="none" spc="0" normalizeH="0" baseline="0" noProof="0" dirty="0">
+                <a:ln>
+                  <a:noFill/>
+                </a:ln>
+                <a:solidFill>
+                  <a:prstClr val="white"/>
+                </a:solidFill>
+                <a:effectLst/>
+                <a:uLnTx/>
+                <a:uFillTx/>
+                <a:latin typeface="+mj-lt"/>
+              </a:endParaRPr>
+            </a:p>
+          </p:txBody>
+        </p:sp>
+        <p:sp>
+          <p:nvSpPr>
+            <p:cNvPr id="8" name="Content Placeholder 2"/>
+            <p:cNvSpPr txBox="1">
+              <a:spLocks/>
+            </p:cNvSpPr>
+            <p:nvPr/>
+          </p:nvSpPr>
+          <p:spPr>
+            <a:xfrm>
+              <a:off x="848724" y="1950630"/>
+              <a:ext cx="9423400" cy="832911"/>
+            </a:xfrm>
+            <a:prstGeom prst="rect">
+              <a:avLst/>
+            </a:prstGeom>
+          </p:spPr>
+          <p:txBody>
+            <a:bodyPr anchor="ctr"/>
+            <a:lstStyle>
+              <a:lvl1pPr marL="0" indent="0" algn="ctr" defTabSz="914400" rtl="0" eaLnBrk="1" latinLnBrk="0" hangingPunct="1">
+                <a:lnSpc>
+                  <a:spcPct val="90000"/>
+                </a:lnSpc>
+                <a:spcBef>
+                  <a:spcPts val="1000"/>
+                </a:spcBef>
+                <a:buFont typeface="Arial" panose="020B0604020202020204" pitchFamily="34" charset="0"/>
+                <a:buNone/>
+                <a:defRPr sz="2800" i="1" kern="1200">
+                  <a:solidFill>
+                    <a:schemeClr val="bg1"/>
+                  </a:solidFill>
+                  <a:latin typeface="+mn-lt"/>
+                  <a:ea typeface="+mn-ea"/>
+                  <a:cs typeface="+mn-cs"/>
+                </a:defRPr>
+              </a:lvl1pPr>
+              <a:lvl2pPr marL="457200" indent="0" algn="ctr" defTabSz="914400" rtl="0" eaLnBrk="1" latinLnBrk="0" hangingPunct="1">
+                <a:lnSpc>
+                  <a:spcPct val="90000"/>
+                </a:lnSpc>
+                <a:spcBef>
+                  <a:spcPts val="500"/>
+                </a:spcBef>
+                <a:buFont typeface="Arial" panose="020B0604020202020204" pitchFamily="34" charset="0"/>
+                <a:buNone/>
+                <a:defRPr sz="2400" i="1" kern="1200">
+                  <a:solidFill>
+                    <a:schemeClr val="bg1"/>
+                  </a:solidFill>
+                  <a:latin typeface="+mn-lt"/>
+                  <a:ea typeface="+mn-ea"/>
+                  <a:cs typeface="+mn-cs"/>
+                </a:defRPr>
+              </a:lvl2pPr>
+              <a:lvl3pPr marL="914400" indent="0" algn="ctr" defTabSz="914400" rtl="0" eaLnBrk="1" latinLnBrk="0" hangingPunct="1">
+                <a:lnSpc>
+                  <a:spcPct val="90000"/>
+                </a:lnSpc>
+                <a:spcBef>
+                  <a:spcPts val="500"/>
+                </a:spcBef>
+                <a:buFont typeface="Arial" panose="020B0604020202020204" pitchFamily="34" charset="0"/>
+                <a:buNone/>
+                <a:defRPr sz="2000" i="1" kern="1200">
+                  <a:solidFill>
+                    <a:schemeClr val="bg1"/>
+                  </a:solidFill>
+                  <a:latin typeface="+mn-lt"/>
+                  <a:ea typeface="+mn-ea"/>
+                  <a:cs typeface="+mn-cs"/>
+                </a:defRPr>
+              </a:lvl3pPr>
+              <a:lvl4pPr marL="1371600" indent="0" algn="ctr" defTabSz="914400" rtl="0" eaLnBrk="1" latinLnBrk="0" hangingPunct="1">
+                <a:lnSpc>
+                  <a:spcPct val="90000"/>
+                </a:lnSpc>
+                <a:spcBef>
+                  <a:spcPts val="500"/>
+                </a:spcBef>
+                <a:buFont typeface="Arial" panose="020B0604020202020204" pitchFamily="34" charset="0"/>
+                <a:buNone/>
+                <a:defRPr sz="1800" i="1" kern="1200">
+                  <a:solidFill>
+                    <a:schemeClr val="bg1"/>
+                  </a:solidFill>
+                  <a:latin typeface="+mn-lt"/>
+                  <a:ea typeface="+mn-ea"/>
+                  <a:cs typeface="+mn-cs"/>
+                </a:defRPr>
+              </a:lvl4pPr>
+              <a:lvl5pPr marL="1828800" indent="0" algn="ctr" defTabSz="914400" rtl="0" eaLnBrk="1" latinLnBrk="0" hangingPunct="1">
+                <a:lnSpc>
+                  <a:spcPct val="90000"/>
+                </a:lnSpc>
+                <a:spcBef>
+                  <a:spcPts val="500"/>
+                </a:spcBef>
+                <a:buFont typeface="Arial" panose="020B0604020202020204" pitchFamily="34" charset="0"/>
+                <a:buNone/>
+                <a:defRPr sz="1800" i="1" kern="1200">
+                  <a:solidFill>
+                    <a:schemeClr val="bg1"/>
+                  </a:solidFill>
+                  <a:latin typeface="+mn-lt"/>
+                  <a:ea typeface="+mn-ea"/>
+                  <a:cs typeface="+mn-cs"/>
+                </a:defRPr>
+              </a:lvl5pPr>
+              <a:lvl6pPr marL="2514600" indent="-228600" algn="l" defTabSz="914400" rtl="0" eaLnBrk="1" latinLnBrk="0" hangingPunct="1">
+                <a:lnSpc>
+                  <a:spcPct val="90000"/>
+                </a:lnSpc>
+                <a:spcBef>
+                  <a:spcPts val="500"/>
+                </a:spcBef>
+                <a:buFont typeface="Arial" panose="020B0604020202020204" pitchFamily="34" charset="0"/>
+                <a:buChar char="•"/>
+                <a:defRPr sz="1800" kern="1200">
+                  <a:solidFill>
+                    <a:schemeClr val="tx1"/>
+                  </a:solidFill>
+                  <a:latin typeface="+mn-lt"/>
+                  <a:ea typeface="+mn-ea"/>
+                  <a:cs typeface="+mn-cs"/>
+                </a:defRPr>
+              </a:lvl6pPr>
+              <a:lvl7pPr marL="2971800" indent="-228600" algn="l" defTabSz="914400" rtl="0" eaLnBrk="1" latinLnBrk="0" hangingPunct="1">
+                <a:lnSpc>
+                  <a:spcPct val="90000"/>
+                </a:lnSpc>
+                <a:spcBef>
+                  <a:spcPts val="500"/>
+                </a:spcBef>
+                <a:buFont typeface="Arial" panose="020B0604020202020204" pitchFamily="34" charset="0"/>
+                <a:buChar char="•"/>
+                <a:defRPr sz="1800" kern="1200">
+                  <a:solidFill>
+                    <a:schemeClr val="tx1"/>
+                  </a:solidFill>
+                  <a:latin typeface="+mn-lt"/>
+                  <a:ea typeface="+mn-ea"/>
+                  <a:cs typeface="+mn-cs"/>
+                </a:defRPr>
+              </a:lvl7pPr>
+              <a:lvl8pPr marL="3429000" indent="-228600" algn="l" defTabSz="914400" rtl="0" eaLnBrk="1" latinLnBrk="0" hangingPunct="1">
+                <a:lnSpc>
+                  <a:spcPct val="90000"/>
+                </a:lnSpc>
+                <a:spcBef>
+                  <a:spcPts val="500"/>
+                </a:spcBef>
+                <a:buFont typeface="Arial" panose="020B0604020202020204" pitchFamily="34" charset="0"/>
+                <a:buChar char="•"/>
+                <a:defRPr sz="1800" kern="1200">
+                  <a:solidFill>
+                    <a:schemeClr val="tx1"/>
+                  </a:solidFill>
+                  <a:latin typeface="+mn-lt"/>
+                  <a:ea typeface="+mn-ea"/>
+                  <a:cs typeface="+mn-cs"/>
+                </a:defRPr>
+              </a:lvl8pPr>
+              <a:lvl9pPr marL="3886200" indent="-228600" algn="l" defTabSz="914400" rtl="0" eaLnBrk="1" latinLnBrk="0" hangingPunct="1">
+                <a:lnSpc>
+                  <a:spcPct val="90000"/>
+                </a:lnSpc>
+                <a:spcBef>
+                  <a:spcPts val="500"/>
+                </a:spcBef>
+                <a:buFont typeface="Arial" panose="020B0604020202020204" pitchFamily="34" charset="0"/>
+                <a:buChar char="•"/>
+                <a:defRPr sz="1800" kern="1200">
+                  <a:solidFill>
+                    <a:schemeClr val="tx1"/>
+                  </a:solidFill>
+                  <a:latin typeface="+mn-lt"/>
+                  <a:ea typeface="+mn-ea"/>
+                  <a:cs typeface="+mn-cs"/>
+                </a:defRPr>
+              </a:lvl9pPr>
+            </a:lstStyle>
+            <a:p>
+              <a:pPr algn="l"/>
               <a:r>
-                <a:rPr lang="en-US" i="0" dirty="0" smtClean="0"/>
-                <a:t>cluster centers</a:t>
+                <a:rPr lang="en-US" i="0" dirty="0"/>
+                <a:t>Group items based cluster centers</a:t>
               </a:r>
-              <a:endParaRPr lang="en-US" i="0" dirty="0"/>
             </a:p>
           </p:txBody>
         </p:sp>
@@ -33259,13 +33005,6 @@
   <p:clrMapOvr>
     <a:masterClrMapping/>
   </p:clrMapOvr>
-  <p:timing>
-    <p:tnLst>
-      <p:par>
-        <p:cTn xmlns:p14="http://schemas.microsoft.com/office/powerpoint/2010/main" id="1" dur="indefinite" restart="never" nodeType="tmRoot"/>
-      </p:par>
-    </p:tnLst>
-  </p:timing>
 </p:sld>
 </file>
 
@@ -33596,7 +33335,7 @@
   <a:extraClrSchemeLst/>
   <a:extLst>
     <a:ext uri="{05A4C25C-085E-4340-85A3-A5531E510DB2}">
-      <thm15:themeFamily xmlns="" xmlns:thm15="http://schemas.microsoft.com/office/thememl/2012/main" name="Azure4ResearchTemplate" id="{DD1C6CE8-BDBA-0D4F-9930-3643ABC8EF0E}" vid="{B5C66FD7-0952-994B-96D6-AB3BB89097FE}"/>
+      <thm15:themeFamily xmlns:thm15="http://schemas.microsoft.com/office/thememl/2012/main" xmlns="" name="Azure4ResearchTemplate" id="{DD1C6CE8-BDBA-0D4F-9930-3643ABC8EF0E}" vid="{B5C66FD7-0952-994B-96D6-AB3BB89097FE}"/>
     </a:ext>
   </a:extLst>
 </a:theme>
@@ -33865,7 +33604,7 @@
   <a:extraClrSchemeLst/>
   <a:extLst>
     <a:ext uri="{05A4C25C-085E-4340-85A3-A5531E510DB2}">
-      <thm15:themeFamily xmlns="" xmlns:thm15="http://schemas.microsoft.com/office/thememl/2012/main" name="Office Theme" id="{62F939B6-93AF-4DB8-9C6B-D6C7DFDC589F}" vid="{4A3C46E8-61CC-4603-A589-7422A47A8E4A}"/>
+      <thm15:themeFamily xmlns:thm15="http://schemas.microsoft.com/office/thememl/2012/main" xmlns="" name="Office Theme" id="{62F939B6-93AF-4DB8-9C6B-D6C7DFDC589F}" vid="{4A3C46E8-61CC-4603-A589-7422A47A8E4A}"/>
     </a:ext>
   </a:extLst>
 </a:theme>
@@ -34134,7 +33873,7 @@
   <a:extraClrSchemeLst/>
   <a:extLst>
     <a:ext uri="{05A4C25C-085E-4340-85A3-A5531E510DB2}">
-      <thm15:themeFamily xmlns="" xmlns:thm15="http://schemas.microsoft.com/office/thememl/2012/main" name="Office Theme" id="{62F939B6-93AF-4DB8-9C6B-D6C7DFDC589F}" vid="{4A3C46E8-61CC-4603-A589-7422A47A8E4A}"/>
+      <thm15:themeFamily xmlns:thm15="http://schemas.microsoft.com/office/thememl/2012/main" xmlns="" name="Office Theme" id="{62F939B6-93AF-4DB8-9C6B-D6C7DFDC589F}" vid="{4A3C46E8-61CC-4603-A589-7422A47A8E4A}"/>
     </a:ext>
   </a:extLst>
 </a:theme>
@@ -34395,7 +34134,7 @@
   <a:extraClrSchemeLst/>
   <a:extLst>
     <a:ext uri="{05A4C25C-085E-4340-85A3-A5531E510DB2}">
-      <thm15:themeFamily xmlns="" xmlns:thm15="http://schemas.microsoft.com/office/thememl/2012/main" name="Office Theme" id="{62F939B6-93AF-4DB8-9C6B-D6C7DFDC589F}" vid="{4A3C46E8-61CC-4603-A589-7422A47A8E4A}"/>
+      <thm15:themeFamily xmlns:thm15="http://schemas.microsoft.com/office/thememl/2012/main" xmlns="" name="Office Theme" id="{62F939B6-93AF-4DB8-9C6B-D6C7DFDC589F}" vid="{4A3C46E8-61CC-4603-A589-7422A47A8E4A}"/>
     </a:ext>
   </a:extLst>
 </a:theme>
@@ -34690,7 +34429,7 @@
   <a:extraClrSchemeLst/>
   <a:extLst>
     <a:ext uri="{05A4C25C-085E-4340-85A3-A5531E510DB2}">
-      <thm15:themeFamily xmlns="" xmlns:thm15="http://schemas.microsoft.com/office/thememl/2012/main" name="Office Theme" id="{62F939B6-93AF-4DB8-9C6B-D6C7DFDC589F}" vid="{4A3C46E8-61CC-4603-A589-7422A47A8E4A}"/>
+      <thm15:themeFamily xmlns:thm15="http://schemas.microsoft.com/office/thememl/2012/main" xmlns="" name="Office Theme" id="{62F939B6-93AF-4DB8-9C6B-D6C7DFDC589F}" vid="{4A3C46E8-61CC-4603-A589-7422A47A8E4A}"/>
     </a:ext>
   </a:extLst>
 </a:theme>
